--- a/Github_For_Team_Dev/LT_Github.pptx
+++ b/Github_For_Team_Dev/LT_Github.pptx
@@ -7,21 +7,22 @@
   <p:sldIdLst>
     <p:sldId id="256" r:id="rId2"/>
     <p:sldId id="267" r:id="rId3"/>
-    <p:sldId id="257" r:id="rId4"/>
-    <p:sldId id="258" r:id="rId5"/>
-    <p:sldId id="273" r:id="rId6"/>
-    <p:sldId id="260" r:id="rId7"/>
-    <p:sldId id="261" r:id="rId8"/>
-    <p:sldId id="262" r:id="rId9"/>
-    <p:sldId id="263" r:id="rId10"/>
-    <p:sldId id="274" r:id="rId11"/>
-    <p:sldId id="272" r:id="rId12"/>
-    <p:sldId id="275" r:id="rId13"/>
-    <p:sldId id="276" r:id="rId14"/>
-    <p:sldId id="277" r:id="rId15"/>
-    <p:sldId id="269" r:id="rId16"/>
-    <p:sldId id="268" r:id="rId17"/>
-    <p:sldId id="266" r:id="rId18"/>
+    <p:sldId id="279" r:id="rId4"/>
+    <p:sldId id="257" r:id="rId5"/>
+    <p:sldId id="258" r:id="rId6"/>
+    <p:sldId id="273" r:id="rId7"/>
+    <p:sldId id="260" r:id="rId8"/>
+    <p:sldId id="261" r:id="rId9"/>
+    <p:sldId id="262" r:id="rId10"/>
+    <p:sldId id="263" r:id="rId11"/>
+    <p:sldId id="274" r:id="rId12"/>
+    <p:sldId id="272" r:id="rId13"/>
+    <p:sldId id="275" r:id="rId14"/>
+    <p:sldId id="276" r:id="rId15"/>
+    <p:sldId id="277" r:id="rId16"/>
+    <p:sldId id="269" r:id="rId17"/>
+    <p:sldId id="268" r:id="rId18"/>
+    <p:sldId id="266" r:id="rId19"/>
   </p:sldIdLst>
   <p:sldSz cx="12192000" cy="6858000"/>
   <p:notesSz cx="6858000" cy="9144000"/>
@@ -275,7 +276,7 @@
           <a:p>
             <a:fld id="{85112293-9BDF-8A47-8184-4359330B1D37}" type="datetimeFigureOut">
               <a:rPr kumimoji="1" lang="ja-JP" altLang="en-US" smtClean="0"/>
-              <a:t>2021/5/23</a:t>
+              <a:t>2021/5/26</a:t>
             </a:fld>
             <a:endParaRPr kumimoji="1" lang="ja-JP" altLang="en-US"/>
           </a:p>
@@ -505,7 +506,7 @@
           <a:p>
             <a:fld id="{85112293-9BDF-8A47-8184-4359330B1D37}" type="datetimeFigureOut">
               <a:rPr kumimoji="1" lang="ja-JP" altLang="en-US" smtClean="0"/>
-              <a:t>2021/5/23</a:t>
+              <a:t>2021/5/26</a:t>
             </a:fld>
             <a:endParaRPr kumimoji="1" lang="ja-JP" altLang="en-US"/>
           </a:p>
@@ -745,7 +746,7 @@
           <a:p>
             <a:fld id="{85112293-9BDF-8A47-8184-4359330B1D37}" type="datetimeFigureOut">
               <a:rPr kumimoji="1" lang="ja-JP" altLang="en-US" smtClean="0"/>
-              <a:t>2021/5/23</a:t>
+              <a:t>2021/5/26</a:t>
             </a:fld>
             <a:endParaRPr kumimoji="1" lang="ja-JP" altLang="en-US"/>
           </a:p>
@@ -975,7 +976,7 @@
           <a:p>
             <a:fld id="{85112293-9BDF-8A47-8184-4359330B1D37}" type="datetimeFigureOut">
               <a:rPr kumimoji="1" lang="ja-JP" altLang="en-US" smtClean="0"/>
-              <a:t>2021/5/23</a:t>
+              <a:t>2021/5/26</a:t>
             </a:fld>
             <a:endParaRPr kumimoji="1" lang="ja-JP" altLang="en-US"/>
           </a:p>
@@ -1250,7 +1251,7 @@
           <a:p>
             <a:fld id="{85112293-9BDF-8A47-8184-4359330B1D37}" type="datetimeFigureOut">
               <a:rPr kumimoji="1" lang="ja-JP" altLang="en-US" smtClean="0"/>
-              <a:t>2021/5/23</a:t>
+              <a:t>2021/5/26</a:t>
             </a:fld>
             <a:endParaRPr kumimoji="1" lang="ja-JP" altLang="en-US"/>
           </a:p>
@@ -1579,7 +1580,7 @@
           <a:p>
             <a:fld id="{85112293-9BDF-8A47-8184-4359330B1D37}" type="datetimeFigureOut">
               <a:rPr kumimoji="1" lang="ja-JP" altLang="en-US" smtClean="0"/>
-              <a:t>2021/5/23</a:t>
+              <a:t>2021/5/26</a:t>
             </a:fld>
             <a:endParaRPr kumimoji="1" lang="ja-JP" altLang="en-US"/>
           </a:p>
@@ -2055,7 +2056,7 @@
           <a:p>
             <a:fld id="{85112293-9BDF-8A47-8184-4359330B1D37}" type="datetimeFigureOut">
               <a:rPr kumimoji="1" lang="ja-JP" altLang="en-US" smtClean="0"/>
-              <a:t>2021/5/23</a:t>
+              <a:t>2021/5/26</a:t>
             </a:fld>
             <a:endParaRPr kumimoji="1" lang="ja-JP" altLang="en-US"/>
           </a:p>
@@ -2196,7 +2197,7 @@
           <a:p>
             <a:fld id="{85112293-9BDF-8A47-8184-4359330B1D37}" type="datetimeFigureOut">
               <a:rPr kumimoji="1" lang="ja-JP" altLang="en-US" smtClean="0"/>
-              <a:t>2021/5/23</a:t>
+              <a:t>2021/5/26</a:t>
             </a:fld>
             <a:endParaRPr kumimoji="1" lang="ja-JP" altLang="en-US"/>
           </a:p>
@@ -2309,7 +2310,7 @@
           <a:p>
             <a:fld id="{85112293-9BDF-8A47-8184-4359330B1D37}" type="datetimeFigureOut">
               <a:rPr kumimoji="1" lang="ja-JP" altLang="en-US" smtClean="0"/>
-              <a:t>2021/5/23</a:t>
+              <a:t>2021/5/26</a:t>
             </a:fld>
             <a:endParaRPr kumimoji="1" lang="ja-JP" altLang="en-US"/>
           </a:p>
@@ -2652,7 +2653,7 @@
           <a:p>
             <a:fld id="{85112293-9BDF-8A47-8184-4359330B1D37}" type="datetimeFigureOut">
               <a:rPr kumimoji="1" lang="ja-JP" altLang="en-US" smtClean="0"/>
-              <a:t>2021/5/23</a:t>
+              <a:t>2021/5/26</a:t>
             </a:fld>
             <a:endParaRPr kumimoji="1" lang="ja-JP" altLang="en-US"/>
           </a:p>
@@ -2940,7 +2941,7 @@
           <a:p>
             <a:fld id="{85112293-9BDF-8A47-8184-4359330B1D37}" type="datetimeFigureOut">
               <a:rPr kumimoji="1" lang="ja-JP" altLang="en-US" smtClean="0"/>
-              <a:t>2021/5/23</a:t>
+              <a:t>2021/5/26</a:t>
             </a:fld>
             <a:endParaRPr kumimoji="1" lang="ja-JP" altLang="en-US"/>
           </a:p>
@@ -3213,7 +3214,7 @@
           <a:p>
             <a:fld id="{85112293-9BDF-8A47-8184-4359330B1D37}" type="datetimeFigureOut">
               <a:rPr kumimoji="1" lang="ja-JP" altLang="en-US" smtClean="0"/>
-              <a:t>2021/5/23</a:t>
+              <a:t>2021/5/26</a:t>
             </a:fld>
             <a:endParaRPr kumimoji="1" lang="ja-JP" altLang="en-US"/>
           </a:p>
@@ -4716,12 +4717,12 @@
           <a:lstStyle/>
           <a:p>
             <a:r>
-              <a:rPr lang="en-US" altLang="ja-JP" sz="4000" dirty="0">
+              <a:rPr lang="en-US" altLang="ja-JP" sz="4000">
                 <a:solidFill>
                   <a:srgbClr val="FFFFFF"/>
                 </a:solidFill>
               </a:rPr>
-              <a:t>$ git push origin “xxx”</a:t>
+              <a:t>$ git commit –m “xxx”</a:t>
             </a:r>
             <a:endParaRPr kumimoji="1" lang="ja-JP" altLang="en-US" sz="4000">
               <a:solidFill>
@@ -4760,35 +4761,51 @@
           <a:lstStyle/>
           <a:p>
             <a:r>
-              <a:rPr lang="ja-JP" altLang="en-US"/>
-              <a:t>プッシュする前に</a:t>
-            </a:r>
-            <a:r>
-              <a:rPr lang="en-US" altLang="ja-JP" dirty="0"/>
-              <a:t>$ git pull origin master</a:t>
-            </a:r>
-            <a:r>
-              <a:rPr lang="ja-JP" altLang="en-US"/>
-              <a:t>を実行して</a:t>
-            </a:r>
-            <a:br>
-              <a:rPr lang="en-US" altLang="ja-JP" dirty="0"/>
-            </a:br>
-            <a:r>
-              <a:rPr lang="ja-JP" altLang="en-US"/>
-              <a:t>コンフリクトが起こらないか確認</a:t>
-            </a:r>
-            <a:endParaRPr lang="en-US" altLang="ja-JP" dirty="0"/>
-          </a:p>
-          <a:p>
-            <a:r>
-              <a:rPr lang="en-US" altLang="ja-JP" dirty="0"/>
-              <a:t>master</a:t>
-            </a:r>
-            <a:r>
-              <a:rPr lang="ja-JP" altLang="en-US"/>
-              <a:t>にプッシュしないように注意！！</a:t>
-            </a:r>
+              <a:rPr lang="en-US" altLang="ja-JP" sz="2400" dirty="0"/>
+              <a:t>add, fix, remove</a:t>
+            </a:r>
+            <a:r>
+              <a:rPr lang="ja-JP" altLang="en-US" sz="2400"/>
+              <a:t>などを先頭につけて詳細を後半に書く</a:t>
+            </a:r>
+            <a:endParaRPr lang="en-US" altLang="ja-JP" sz="2400" dirty="0"/>
+          </a:p>
+          <a:p>
+            <a:r>
+              <a:rPr lang="en-US" altLang="ja-JP" sz="2400" dirty="0"/>
+              <a:t>(</a:t>
+            </a:r>
+            <a:r>
+              <a:rPr lang="ja-JP" altLang="en-US" sz="2400"/>
+              <a:t>けど、正直めんどくさいからこんなこと書かずに全部</a:t>
+            </a:r>
+            <a:r>
+              <a:rPr lang="en-US" altLang="ja-JP" sz="2400" dirty="0" err="1"/>
+              <a:t>tmp</a:t>
+            </a:r>
+            <a:r>
+              <a:rPr lang="ja-JP" altLang="en-US" sz="2400"/>
+              <a:t>にしちゃってる</a:t>
+            </a:r>
+            <a:r>
+              <a:rPr lang="en-US" altLang="ja-JP" sz="2400" dirty="0"/>
+              <a:t>)</a:t>
+            </a:r>
+          </a:p>
+          <a:p>
+            <a:endParaRPr kumimoji="1" lang="en-US" altLang="ja-JP" sz="2000" dirty="0"/>
+          </a:p>
+          <a:p>
+            <a:pPr marL="0" indent="0">
+              <a:buNone/>
+            </a:pPr>
+            <a:r>
+              <a:rPr lang="en-US" altLang="ja-JP" sz="2000" dirty="0">
+                <a:hlinkClick r:id="rId2"/>
+              </a:rPr>
+              <a:t>https://qiita.com/itosho/items/9565c6ad2ffc24c09364</a:t>
+            </a:r>
+            <a:endParaRPr lang="en-US" altLang="ja-JP" sz="2000" dirty="0"/>
           </a:p>
           <a:p>
             <a:pPr marL="0" indent="0">
@@ -4801,7 +4818,7 @@
     </p:spTree>
     <p:extLst>
       <p:ext uri="{BB962C8B-B14F-4D97-AF65-F5344CB8AC3E}">
-        <p14:creationId xmlns:p14="http://schemas.microsoft.com/office/powerpoint/2010/main" val="806491487"/>
+        <p14:creationId xmlns:p14="http://schemas.microsoft.com/office/powerpoint/2010/main" val="1279307690"/>
       </p:ext>
     </p:extLst>
   </p:cSld>
@@ -4838,10 +4855,10 @@
       </p:grpSpPr>
       <p:sp useBgFill="1">
         <p:nvSpPr>
-          <p:cNvPr id="10" name="Rectangle 9">
-            <a:extLst>
-              <a:ext uri="{FF2B5EF4-FFF2-40B4-BE49-F238E27FC236}">
-                <a16:creationId xmlns:a16="http://schemas.microsoft.com/office/drawing/2014/main" id="{A8384FB5-9ADC-4DDC-881B-597D56F5B15D}"/>
+          <p:cNvPr id="8" name="Rectangle 7">
+            <a:extLst>
+              <a:ext uri="{FF2B5EF4-FFF2-40B4-BE49-F238E27FC236}">
+                <a16:creationId xmlns:a16="http://schemas.microsoft.com/office/drawing/2014/main" id="{1B15ED52-F352-441B-82BF-E0EA34836D08}"/>
               </a:ext>
               <a:ext uri="{C183D7F6-B498-43B3-948B-1728B52AA6E4}">
                 <adec:decorative xmlns:adec="http://schemas.microsoft.com/office/drawing/2017/decorative" val="1"/>
@@ -4914,10 +4931,10 @@
       </p:sp>
       <p:sp>
         <p:nvSpPr>
-          <p:cNvPr id="12" name="Rectangle 11">
-            <a:extLst>
-              <a:ext uri="{FF2B5EF4-FFF2-40B4-BE49-F238E27FC236}">
-                <a16:creationId xmlns:a16="http://schemas.microsoft.com/office/drawing/2014/main" id="{1199E1B1-A8C0-4FE8-A5A8-1CB41D69F857}"/>
+          <p:cNvPr id="10" name="Rectangle 9">
+            <a:extLst>
+              <a:ext uri="{FF2B5EF4-FFF2-40B4-BE49-F238E27FC236}">
+                <a16:creationId xmlns:a16="http://schemas.microsoft.com/office/drawing/2014/main" id="{3B2E3793-BFE6-45A2-9B7B-E18844431C99}"/>
               </a:ext>
               <a:ext uri="{C183D7F6-B498-43B3-948B-1728B52AA6E4}">
                 <adec:decorative xmlns:adec="http://schemas.microsoft.com/office/drawing/2017/decorative" val="1"/>
@@ -4936,9 +4953,9 @@
           </p:nvPr>
         </p:nvSpPr>
         <p:spPr>
-          <a:xfrm rot="10800000" flipH="1">
-            <a:off x="2" y="0"/>
-            <a:ext cx="12191998" cy="1575955"/>
+          <a:xfrm flipH="1">
+            <a:off x="-1" y="-1"/>
+            <a:ext cx="12191998" cy="1590742"/>
           </a:xfrm>
           <a:prstGeom prst="rect">
             <a:avLst/>
@@ -4946,90 +4963,11 @@
           <a:gradFill>
             <a:gsLst>
               <a:gs pos="0">
-                <a:srgbClr val="000000">
-                  <a:alpha val="96000"/>
-                </a:srgbClr>
+                <a:srgbClr val="000000"/>
               </a:gs>
               <a:gs pos="100000">
                 <a:schemeClr val="accent1">
                   <a:lumMod val="75000"/>
-                </a:schemeClr>
-              </a:gs>
-            </a:gsLst>
-            <a:lin ang="6000000" scaled="0"/>
-          </a:gradFill>
-          <a:ln>
-            <a:noFill/>
-          </a:ln>
-        </p:spPr>
-        <p:style>
-          <a:lnRef idx="2">
-            <a:schemeClr val="accent1">
-              <a:shade val="50000"/>
-            </a:schemeClr>
-          </a:lnRef>
-          <a:fillRef idx="1">
-            <a:schemeClr val="accent1"/>
-          </a:fillRef>
-          <a:effectRef idx="0">
-            <a:schemeClr val="accent1"/>
-          </a:effectRef>
-          <a:fontRef idx="minor">
-            <a:schemeClr val="lt1"/>
-          </a:fontRef>
-        </p:style>
-        <p:txBody>
-          <a:bodyPr rtlCol="0" anchor="ctr"/>
-          <a:lstStyle/>
-          <a:p>
-            <a:pPr algn="ctr"/>
-            <a:endParaRPr lang="en-US"/>
-          </a:p>
-        </p:txBody>
-      </p:sp>
-      <p:sp>
-        <p:nvSpPr>
-          <p:cNvPr id="14" name="Rectangle 13">
-            <a:extLst>
-              <a:ext uri="{FF2B5EF4-FFF2-40B4-BE49-F238E27FC236}">
-                <a16:creationId xmlns:a16="http://schemas.microsoft.com/office/drawing/2014/main" id="{84A8DE83-DE75-4B41-9DB4-A7EC0B0DEC0B}"/>
-              </a:ext>
-              <a:ext uri="{C183D7F6-B498-43B3-948B-1728B52AA6E4}">
-                <adec:decorative xmlns:adec="http://schemas.microsoft.com/office/drawing/2017/decorative" val="1"/>
-              </a:ext>
-            </a:extLst>
-          </p:cNvPr>
-          <p:cNvSpPr>
-            <a:spLocks noGrp="1" noRot="1" noChangeAspect="1" noMove="1" noResize="1" noEditPoints="1" noAdjustHandles="1" noChangeArrowheads="1" noChangeShapeType="1" noTextEdit="1"/>
-          </p:cNvSpPr>
-          <p:nvPr>
-            <p:extLst>
-              <p:ext uri="{386F3935-93C4-4BCD-93E2-E3B085C9AB24}">
-                <p16:designElem xmlns:p16="http://schemas.microsoft.com/office/powerpoint/2015/main" val="1"/>
-              </p:ext>
-            </p:extLst>
-          </p:nvPr>
-        </p:nvSpPr>
-        <p:spPr>
-          <a:xfrm>
-            <a:off x="0" y="0"/>
-            <a:ext cx="8128856" cy="1575461"/>
-          </a:xfrm>
-          <a:prstGeom prst="rect">
-            <a:avLst/>
-          </a:prstGeom>
-          <a:gradFill>
-            <a:gsLst>
-              <a:gs pos="0">
-                <a:schemeClr val="accent1">
-                  <a:alpha val="41000"/>
-                </a:schemeClr>
-              </a:gs>
-              <a:gs pos="74000">
-                <a:schemeClr val="accent1">
-                  <a:lumMod val="60000"/>
-                  <a:lumOff val="40000"/>
-                  <a:alpha val="0"/>
                 </a:schemeClr>
               </a:gs>
             </a:gsLst>
@@ -5066,10 +5004,10 @@
       </p:sp>
       <p:sp>
         <p:nvSpPr>
-          <p:cNvPr id="16" name="Rectangle 15">
-            <a:extLst>
-              <a:ext uri="{FF2B5EF4-FFF2-40B4-BE49-F238E27FC236}">
-                <a16:creationId xmlns:a16="http://schemas.microsoft.com/office/drawing/2014/main" id="{A7009A0A-BEF5-4EAC-AF15-E4F9F002E239}"/>
+          <p:cNvPr id="12" name="Rectangle 11">
+            <a:extLst>
+              <a:ext uri="{FF2B5EF4-FFF2-40B4-BE49-F238E27FC236}">
+                <a16:creationId xmlns:a16="http://schemas.microsoft.com/office/drawing/2014/main" id="{BC4C4868-CB8F-4AF9-9CDB-8108F2C19B67}"/>
               </a:ext>
               <a:ext uri="{C183D7F6-B498-43B3-948B-1728B52AA6E4}">
                 <adec:decorative xmlns:adec="http://schemas.microsoft.com/office/drawing/2017/decorative" val="1"/>
@@ -5088,27 +5026,28 @@
           </p:nvPr>
         </p:nvSpPr>
         <p:spPr>
-          <a:xfrm flipH="1">
-            <a:off x="-3" y="-1"/>
-            <a:ext cx="12192002" cy="1574311"/>
+          <a:xfrm rot="10800000" flipH="1">
+            <a:off x="-3" y="0"/>
+            <a:ext cx="8115306" cy="1590742"/>
           </a:xfrm>
           <a:prstGeom prst="rect">
             <a:avLst/>
           </a:prstGeom>
           <a:gradFill>
             <a:gsLst>
-              <a:gs pos="0">
-                <a:srgbClr val="000000">
-                  <a:alpha val="63000"/>
-                </a:srgbClr>
+              <a:gs pos="20000">
+                <a:schemeClr val="accent1">
+                  <a:alpha val="0"/>
+                </a:schemeClr>
               </a:gs>
-              <a:gs pos="78000">
+              <a:gs pos="100000">
                 <a:schemeClr val="accent1">
-                  <a:alpha val="15000"/>
+                  <a:lumMod val="50000"/>
+                  <a:alpha val="55000"/>
                 </a:schemeClr>
               </a:gs>
             </a:gsLst>
-            <a:lin ang="15600000" scaled="0"/>
+            <a:lin ang="13800000" scaled="0"/>
           </a:gradFill>
           <a:ln>
             <a:noFill/>
@@ -5141,10 +5080,161 @@
       </p:sp>
       <p:sp>
         <p:nvSpPr>
+          <p:cNvPr id="14" name="Rectangle 13">
+            <a:extLst>
+              <a:ext uri="{FF2B5EF4-FFF2-40B4-BE49-F238E27FC236}">
+                <a16:creationId xmlns:a16="http://schemas.microsoft.com/office/drawing/2014/main" id="{375E0459-6403-40CD-989D-56A4407CA12E}"/>
+              </a:ext>
+              <a:ext uri="{C183D7F6-B498-43B3-948B-1728B52AA6E4}">
+                <adec:decorative xmlns:adec="http://schemas.microsoft.com/office/drawing/2017/decorative" val="1"/>
+              </a:ext>
+            </a:extLst>
+          </p:cNvPr>
+          <p:cNvSpPr>
+            <a:spLocks noGrp="1" noRot="1" noChangeAspect="1" noMove="1" noResize="1" noEditPoints="1" noAdjustHandles="1" noChangeArrowheads="1" noChangeShapeType="1" noTextEdit="1"/>
+          </p:cNvSpPr>
+          <p:nvPr>
+            <p:extLst>
+              <p:ext uri="{386F3935-93C4-4BCD-93E2-E3B085C9AB24}">
+                <p16:designElem xmlns:p16="http://schemas.microsoft.com/office/powerpoint/2015/main" val="1"/>
+              </p:ext>
+            </p:extLst>
+          </p:nvPr>
+        </p:nvSpPr>
+        <p:spPr>
+          <a:xfrm flipH="1">
+            <a:off x="8115299" y="-1"/>
+            <a:ext cx="4076698" cy="1590742"/>
+          </a:xfrm>
+          <a:prstGeom prst="rect">
+            <a:avLst/>
+          </a:prstGeom>
+          <a:gradFill>
+            <a:gsLst>
+              <a:gs pos="0">
+                <a:schemeClr val="accent1">
+                  <a:alpha val="66000"/>
+                </a:schemeClr>
+              </a:gs>
+              <a:gs pos="100000">
+                <a:srgbClr val="000000">
+                  <a:alpha val="30000"/>
+                </a:srgbClr>
+              </a:gs>
+            </a:gsLst>
+            <a:lin ang="13200000" scaled="0"/>
+          </a:gradFill>
+          <a:ln>
+            <a:noFill/>
+          </a:ln>
+        </p:spPr>
+        <p:style>
+          <a:lnRef idx="2">
+            <a:schemeClr val="accent1">
+              <a:shade val="50000"/>
+            </a:schemeClr>
+          </a:lnRef>
+          <a:fillRef idx="1">
+            <a:schemeClr val="accent1"/>
+          </a:fillRef>
+          <a:effectRef idx="0">
+            <a:schemeClr val="accent1"/>
+          </a:effectRef>
+          <a:fontRef idx="minor">
+            <a:schemeClr val="lt1"/>
+          </a:fontRef>
+        </p:style>
+        <p:txBody>
+          <a:bodyPr rtlCol="0" anchor="ctr"/>
+          <a:lstStyle/>
+          <a:p>
+            <a:pPr algn="ctr"/>
+            <a:endParaRPr lang="en-US"/>
+          </a:p>
+        </p:txBody>
+      </p:sp>
+      <p:sp>
+        <p:nvSpPr>
+          <p:cNvPr id="16" name="Rectangle 15">
+            <a:extLst>
+              <a:ext uri="{FF2B5EF4-FFF2-40B4-BE49-F238E27FC236}">
+                <a16:creationId xmlns:a16="http://schemas.microsoft.com/office/drawing/2014/main" id="{53E5B1A8-3AC9-4BD1-9BBC-78CA94F2D1BA}"/>
+              </a:ext>
+              <a:ext uri="{C183D7F6-B498-43B3-948B-1728B52AA6E4}">
+                <adec:decorative xmlns:adec="http://schemas.microsoft.com/office/drawing/2017/decorative" val="1"/>
+              </a:ext>
+            </a:extLst>
+          </p:cNvPr>
+          <p:cNvSpPr>
+            <a:spLocks noGrp="1" noRot="1" noChangeAspect="1" noMove="1" noResize="1" noEditPoints="1" noAdjustHandles="1" noChangeArrowheads="1" noChangeShapeType="1" noTextEdit="1"/>
+          </p:cNvSpPr>
+          <p:nvPr>
+            <p:extLst>
+              <p:ext uri="{386F3935-93C4-4BCD-93E2-E3B085C9AB24}">
+                <p16:designElem xmlns:p16="http://schemas.microsoft.com/office/powerpoint/2015/main" val="1"/>
+              </p:ext>
+            </p:extLst>
+          </p:nvPr>
+        </p:nvSpPr>
+        <p:spPr>
+          <a:xfrm>
+            <a:off x="459350" y="-1"/>
+            <a:ext cx="11732646" cy="1597433"/>
+          </a:xfrm>
+          <a:prstGeom prst="rect">
+            <a:avLst/>
+          </a:prstGeom>
+          <a:gradFill>
+            <a:gsLst>
+              <a:gs pos="50000">
+                <a:srgbClr val="000000">
+                  <a:alpha val="0"/>
+                </a:srgbClr>
+              </a:gs>
+              <a:gs pos="99000">
+                <a:schemeClr val="accent1">
+                  <a:lumMod val="50000"/>
+                  <a:alpha val="52000"/>
+                </a:schemeClr>
+              </a:gs>
+            </a:gsLst>
+            <a:lin ang="16800000" scaled="0"/>
+          </a:gradFill>
+          <a:ln>
+            <a:noFill/>
+          </a:ln>
+        </p:spPr>
+        <p:style>
+          <a:lnRef idx="2">
+            <a:schemeClr val="accent1">
+              <a:shade val="50000"/>
+            </a:schemeClr>
+          </a:lnRef>
+          <a:fillRef idx="1">
+            <a:schemeClr val="accent1"/>
+          </a:fillRef>
+          <a:effectRef idx="0">
+            <a:schemeClr val="accent1"/>
+          </a:effectRef>
+          <a:fontRef idx="minor">
+            <a:schemeClr val="lt1"/>
+          </a:fontRef>
+        </p:style>
+        <p:txBody>
+          <a:bodyPr rtlCol="0" anchor="ctr"/>
+          <a:lstStyle/>
+          <a:p>
+            <a:pPr algn="ctr"/>
+            <a:endParaRPr lang="en-US"/>
+          </a:p>
+        </p:txBody>
+      </p:sp>
+      <p:sp>
+        <p:nvSpPr>
           <p:cNvPr id="2" name="タイトル 1">
             <a:extLst>
               <a:ext uri="{FF2B5EF4-FFF2-40B4-BE49-F238E27FC236}">
-                <a16:creationId xmlns:a16="http://schemas.microsoft.com/office/drawing/2014/main" id="{B6BED792-4108-6143-B393-EE170E158D40}"/>
+                <a16:creationId xmlns:a16="http://schemas.microsoft.com/office/drawing/2014/main" id="{47F23192-7F25-B249-8EFE-9FA952EDCBD0}"/>
               </a:ext>
             </a:extLst>
           </p:cNvPr>
@@ -5157,27 +5247,29 @@
         </p:nvSpPr>
         <p:spPr>
           <a:xfrm>
-            <a:off x="699713" y="248038"/>
-            <a:ext cx="7063721" cy="1159200"/>
-          </a:xfrm>
-        </p:spPr>
-        <p:txBody>
-          <a:bodyPr vert="horz" lIns="91440" tIns="45720" rIns="91440" bIns="45720" rtlCol="0" anchor="ctr">
+            <a:off x="1371599" y="294538"/>
+            <a:ext cx="9895951" cy="1033669"/>
+          </a:xfrm>
+        </p:spPr>
+        <p:txBody>
+          <a:bodyPr>
             <a:normAutofit/>
           </a:bodyPr>
           <a:lstStyle/>
           <a:p>
             <a:r>
-              <a:rPr kumimoji="1" lang="ja-JP" altLang="en-US" sz="4000" kern="1200">
+              <a:rPr lang="en-US" altLang="ja-JP" sz="4000" dirty="0">
                 <a:solidFill>
                   <a:srgbClr val="FFFFFF"/>
                 </a:solidFill>
-                <a:latin typeface="+mj-lt"/>
-                <a:ea typeface="+mj-ea"/>
-                <a:cs typeface="+mj-cs"/>
               </a:rPr>
-              <a:t>プルリク</a:t>
-            </a:r>
+              <a:t>$ git push origin “xxx”</a:t>
+            </a:r>
+            <a:endParaRPr kumimoji="1" lang="ja-JP" altLang="en-US" sz="4000">
+              <a:solidFill>
+                <a:srgbClr val="FFFFFF"/>
+              </a:solidFill>
+            </a:endParaRPr>
           </a:p>
         </p:txBody>
       </p:sp>
@@ -5186,7 +5278,7 @@
           <p:cNvPr id="3" name="コンテンツ プレースホルダー 2">
             <a:extLst>
               <a:ext uri="{FF2B5EF4-FFF2-40B4-BE49-F238E27FC236}">
-                <a16:creationId xmlns:a16="http://schemas.microsoft.com/office/drawing/2014/main" id="{F9EBE463-5922-AE41-8CFC-7DAB67839DE9}"/>
+                <a16:creationId xmlns:a16="http://schemas.microsoft.com/office/drawing/2014/main" id="{6984714B-0B85-844E-B670-38F6FF375DD7}"/>
               </a:ext>
             </a:extLst>
           </p:cNvPr>
@@ -5199,77 +5291,59 @@
         </p:nvSpPr>
         <p:spPr>
           <a:xfrm>
-            <a:off x="699713" y="1664020"/>
-            <a:ext cx="6568422" cy="1827933"/>
-          </a:xfrm>
-        </p:spPr>
-        <p:txBody>
-          <a:bodyPr vert="horz" lIns="91440" tIns="45720" rIns="91440" bIns="45720" rtlCol="0" anchor="ctr">
+            <a:off x="1371599" y="2318197"/>
+            <a:ext cx="9724031" cy="3683358"/>
+          </a:xfrm>
+        </p:spPr>
+        <p:txBody>
+          <a:bodyPr anchor="ctr">
             <a:normAutofit/>
           </a:bodyPr>
           <a:lstStyle/>
+          <a:p>
+            <a:r>
+              <a:rPr lang="ja-JP" altLang="en-US"/>
+              <a:t>プッシュする前に</a:t>
+            </a:r>
+            <a:r>
+              <a:rPr lang="en-US" altLang="ja-JP" dirty="0"/>
+              <a:t>$ git pull origin master</a:t>
+            </a:r>
+            <a:r>
+              <a:rPr lang="ja-JP" altLang="en-US"/>
+              <a:t>を実行して</a:t>
+            </a:r>
+            <a:br>
+              <a:rPr lang="en-US" altLang="ja-JP" dirty="0"/>
+            </a:br>
+            <a:r>
+              <a:rPr lang="ja-JP" altLang="en-US"/>
+              <a:t>コンフリクトが起こらないか確認</a:t>
+            </a:r>
+            <a:endParaRPr lang="en-US" altLang="ja-JP" dirty="0"/>
+          </a:p>
+          <a:p>
+            <a:r>
+              <a:rPr lang="en-US" altLang="ja-JP" dirty="0"/>
+              <a:t>master</a:t>
+            </a:r>
+            <a:r>
+              <a:rPr lang="ja-JP" altLang="en-US"/>
+              <a:t>にプッシュしないように注意！！</a:t>
+            </a:r>
+          </a:p>
           <a:p>
             <a:pPr marL="0" indent="0">
               <a:buNone/>
             </a:pPr>
-            <a:r>
-              <a:rPr lang="en-US" altLang="ja-JP" kern="1200" dirty="0">
-                <a:latin typeface="+mn-lt"/>
-                <a:ea typeface="+mn-ea"/>
-                <a:cs typeface="+mn-cs"/>
-              </a:rPr>
-              <a:t>Compare &amp; pull request </a:t>
-            </a:r>
-            <a:r>
-              <a:rPr lang="ja-JP" altLang="en-US" kern="1200">
-                <a:latin typeface="+mn-lt"/>
-                <a:ea typeface="+mn-ea"/>
-                <a:cs typeface="+mn-cs"/>
-              </a:rPr>
-              <a:t>をクリック</a:t>
-            </a:r>
-            <a:endParaRPr kumimoji="1" lang="en-US" altLang="ja-JP" kern="1200" dirty="0">
-              <a:latin typeface="+mn-lt"/>
-              <a:ea typeface="+mn-ea"/>
-              <a:cs typeface="+mn-cs"/>
-            </a:endParaRPr>
-          </a:p>
-        </p:txBody>
-      </p:sp>
-      <p:pic>
-        <p:nvPicPr>
-          <p:cNvPr id="5" name="図 4" descr="白いバックグラウンドのスクリーンショット&#10;&#10;自動的に生成された説明">
-            <a:extLst>
-              <a:ext uri="{FF2B5EF4-FFF2-40B4-BE49-F238E27FC236}">
-                <a16:creationId xmlns:a16="http://schemas.microsoft.com/office/drawing/2014/main" id="{0DCDCEEA-A218-BF4F-BEFA-B356010BA85F}"/>
-              </a:ext>
-            </a:extLst>
-          </p:cNvPr>
-          <p:cNvPicPr>
-            <a:picLocks noChangeAspect="1"/>
-          </p:cNvPicPr>
-          <p:nvPr/>
-        </p:nvPicPr>
-        <p:blipFill>
-          <a:blip r:embed="rId2"/>
-          <a:stretch>
-            <a:fillRect/>
-          </a:stretch>
-        </p:blipFill>
-        <p:spPr>
-          <a:xfrm>
-            <a:off x="432223" y="3541487"/>
-            <a:ext cx="11327549" cy="2888524"/>
-          </a:xfrm>
-          <a:prstGeom prst="rect">
-            <a:avLst/>
-          </a:prstGeom>
-        </p:spPr>
-      </p:pic>
+            <a:endParaRPr kumimoji="1" lang="en-US" altLang="ja-JP" sz="2000" dirty="0"/>
+          </a:p>
+        </p:txBody>
+      </p:sp>
     </p:spTree>
     <p:extLst>
       <p:ext uri="{BB962C8B-B14F-4D97-AF65-F5344CB8AC3E}">
-        <p14:creationId xmlns:p14="http://schemas.microsoft.com/office/powerpoint/2010/main" val="486549640"/>
+        <p14:creationId xmlns:p14="http://schemas.microsoft.com/office/powerpoint/2010/main" val="806491487"/>
       </p:ext>
     </p:extLst>
   </p:cSld>
@@ -5667,8 +5741,8 @@
         </p:nvSpPr>
         <p:spPr>
           <a:xfrm>
-            <a:off x="402522" y="1574310"/>
-            <a:ext cx="7658101" cy="4123742"/>
+            <a:off x="699713" y="1664020"/>
+            <a:ext cx="6568422" cy="1827933"/>
           </a:xfrm>
         </p:spPr>
         <p:txBody>
@@ -5677,109 +5751,26 @@
           </a:bodyPr>
           <a:lstStyle/>
           <a:p>
-            <a:pPr marL="514350" indent="-514350">
-              <a:buFont typeface="+mj-lt"/>
-              <a:buAutoNum type="arabicPeriod"/>
-            </a:pPr>
-            <a:r>
-              <a:rPr lang="ja-JP" altLang="en-US" sz="2400"/>
-              <a:t>マージするブランチを確認</a:t>
-            </a:r>
-            <a:endParaRPr lang="en-US" altLang="ja-JP" sz="2400" dirty="0"/>
-          </a:p>
-          <a:p>
-            <a:pPr marL="514350" indent="-514350">
-              <a:buFont typeface="+mj-lt"/>
-              <a:buAutoNum type="arabicPeriod"/>
-            </a:pPr>
-            <a:r>
-              <a:rPr lang="ja-JP" altLang="en-US" sz="2400"/>
-              <a:t>タイトル確認</a:t>
-            </a:r>
-            <a:r>
-              <a:rPr lang="en-US" altLang="ja-JP" sz="2400" dirty="0"/>
-              <a:t> [WIP] </a:t>
-            </a:r>
-            <a:r>
-              <a:rPr lang="en-US" altLang="ja-JP" sz="2400" dirty="0" err="1"/>
-              <a:t>xxx_title</a:t>
-            </a:r>
-            <a:r>
-              <a:rPr lang="en-US" altLang="ja-JP" sz="2400" dirty="0"/>
-              <a:t> </a:t>
-            </a:r>
-            <a:br>
-              <a:rPr lang="en-US" altLang="ja-JP" sz="2400" dirty="0"/>
-            </a:br>
-            <a:r>
-              <a:rPr lang="en-US" altLang="ja-JP" sz="2400" dirty="0"/>
-              <a:t>xxx</a:t>
-            </a:r>
-            <a:r>
-              <a:rPr lang="ja-JP" altLang="en-US" sz="2400"/>
-              <a:t>の部分に連番を入れられるとわかりやすい</a:t>
-            </a:r>
-            <a:endParaRPr lang="en-US" altLang="ja-JP" sz="2400" dirty="0"/>
-          </a:p>
-          <a:p>
-            <a:pPr marL="514350" indent="-514350">
-              <a:buFont typeface="+mj-lt"/>
-              <a:buAutoNum type="arabicPeriod"/>
-            </a:pPr>
-            <a:r>
-              <a:rPr lang="ja-JP" altLang="en-US" sz="2400"/>
-              <a:t>実装内容を記載</a:t>
-            </a:r>
-            <a:r>
-              <a:rPr lang="en-US" altLang="ja-JP" sz="2400" dirty="0"/>
-              <a:t> </a:t>
-            </a:r>
-            <a:r>
-              <a:rPr lang="ja-JP" altLang="en-US" sz="2400"/>
-              <a:t>タスク管理アプリのリンクなども添付</a:t>
-            </a:r>
-            <a:endParaRPr lang="en-US" altLang="ja-JP" sz="2400" dirty="0"/>
-          </a:p>
-          <a:p>
-            <a:pPr marL="514350" indent="-514350">
-              <a:buFont typeface="+mj-lt"/>
-              <a:buAutoNum type="arabicPeriod"/>
-            </a:pPr>
-            <a:r>
-              <a:rPr lang="ja-JP" altLang="en-US" sz="2400"/>
-              <a:t>レビューする人を指定</a:t>
-            </a:r>
-            <a:r>
-              <a:rPr lang="en-US" altLang="ja-JP" sz="2400" dirty="0"/>
-              <a:t>(</a:t>
-            </a:r>
-            <a:r>
-              <a:rPr lang="ja-JP" altLang="en-US" sz="2400"/>
-              <a:t>チームアカウントの時</a:t>
-            </a:r>
-            <a:r>
-              <a:rPr lang="en-US" altLang="ja-JP" sz="2400" dirty="0"/>
-              <a:t>)</a:t>
-            </a:r>
-          </a:p>
-          <a:p>
-            <a:pPr marL="514350" indent="-514350">
-              <a:buFont typeface="+mj-lt"/>
-              <a:buAutoNum type="arabicPeriod"/>
-            </a:pPr>
-            <a:r>
-              <a:rPr lang="ja-JP" altLang="en-US" sz="2400"/>
-              <a:t>プルリク作成</a:t>
-            </a:r>
-          </a:p>
-          <a:p>
             <a:pPr marL="0" indent="0">
               <a:buNone/>
             </a:pPr>
-            <a:endParaRPr kumimoji="1" lang="en-US" altLang="ja-JP" sz="2000" kern="1200" dirty="0">
-              <a:solidFill>
-                <a:srgbClr val="FFFFFF"/>
-              </a:solidFill>
+            <a:r>
+              <a:rPr lang="en-US" altLang="ja-JP" kern="1200" dirty="0">
+                <a:latin typeface="+mn-lt"/>
+                <a:ea typeface="+mn-ea"/>
+                <a:cs typeface="+mn-cs"/>
+              </a:rPr>
+              <a:t>Compare &amp; pull request </a:t>
+            </a:r>
+            <a:r>
+              <a:rPr lang="ja-JP" altLang="en-US" kern="1200">
+                <a:latin typeface="+mn-lt"/>
+                <a:ea typeface="+mn-ea"/>
+                <a:cs typeface="+mn-cs"/>
+              </a:rPr>
+              <a:t>をクリック</a:t>
+            </a:r>
+            <a:endParaRPr kumimoji="1" lang="en-US" altLang="ja-JP" kern="1200" dirty="0">
               <a:latin typeface="+mn-lt"/>
               <a:ea typeface="+mn-ea"/>
               <a:cs typeface="+mn-cs"/>
@@ -5789,10 +5780,10 @@
       </p:sp>
       <p:pic>
         <p:nvPicPr>
-          <p:cNvPr id="9" name="図 8" descr="モニター画面に映るウェブサイトのスクリーンショット&#10;&#10;自動的に生成された説明">
-            <a:extLst>
-              <a:ext uri="{FF2B5EF4-FFF2-40B4-BE49-F238E27FC236}">
-                <a16:creationId xmlns:a16="http://schemas.microsoft.com/office/drawing/2014/main" id="{57069C92-F095-C34F-BC27-3120FDBCFA35}"/>
+          <p:cNvPr id="5" name="図 4" descr="白いバックグラウンドのスクリーンショット&#10;&#10;自動的に生成された説明">
+            <a:extLst>
+              <a:ext uri="{FF2B5EF4-FFF2-40B4-BE49-F238E27FC236}">
+                <a16:creationId xmlns:a16="http://schemas.microsoft.com/office/drawing/2014/main" id="{0DCDCEEA-A218-BF4F-BEFA-B356010BA85F}"/>
               </a:ext>
             </a:extLst>
           </p:cNvPr>
@@ -5809,8 +5800,8 @@
         </p:blipFill>
         <p:spPr>
           <a:xfrm>
-            <a:off x="5641040" y="4434246"/>
-            <a:ext cx="6306671" cy="2312334"/>
+            <a:off x="432223" y="3541487"/>
+            <a:ext cx="11327549" cy="2888524"/>
           </a:xfrm>
           <a:prstGeom prst="rect">
             <a:avLst/>
@@ -5820,7 +5811,7 @@
     </p:spTree>
     <p:extLst>
       <p:ext uri="{BB962C8B-B14F-4D97-AF65-F5344CB8AC3E}">
-        <p14:creationId xmlns:p14="http://schemas.microsoft.com/office/powerpoint/2010/main" val="380074771"/>
+        <p14:creationId xmlns:p14="http://schemas.microsoft.com/office/powerpoint/2010/main" val="486549640"/>
       </p:ext>
     </p:extLst>
   </p:cSld>
@@ -6218,8 +6209,8 @@
         </p:nvSpPr>
         <p:spPr>
           <a:xfrm>
-            <a:off x="699713" y="1100217"/>
-            <a:ext cx="15188287" cy="4103393"/>
+            <a:off x="402522" y="1574310"/>
+            <a:ext cx="7658101" cy="4123742"/>
           </a:xfrm>
         </p:spPr>
         <p:txBody>
@@ -6233,9 +6224,10 @@
               <a:buAutoNum type="arabicPeriod"/>
             </a:pPr>
             <a:r>
-              <a:rPr lang="en-US" altLang="ja-JP" sz="2000" dirty="0"/>
-              <a:t>Files changed</a:t>
-            </a:r>
+              <a:rPr lang="ja-JP" altLang="en-US" sz="2400"/>
+              <a:t>マージするブランチを確認</a:t>
+            </a:r>
+            <a:endParaRPr lang="en-US" altLang="ja-JP" sz="2400" dirty="0"/>
           </a:p>
           <a:p>
             <a:pPr marL="514350" indent="-514350">
@@ -6243,18 +6235,33 @@
               <a:buAutoNum type="arabicPeriod"/>
             </a:pPr>
             <a:r>
-              <a:rPr lang="ja-JP" altLang="en-US" sz="2000"/>
-              <a:t>行番号あたりにカーソルを持っていくと</a:t>
-            </a:r>
-            <a:r>
-              <a:rPr lang="en-US" altLang="ja-JP" sz="2000" dirty="0"/>
-              <a:t>+</a:t>
-            </a:r>
-            <a:r>
-              <a:rPr lang="ja-JP" altLang="en-US" sz="2000"/>
-              <a:t>ボタンが現れるのでクリック</a:t>
-            </a:r>
-            <a:endParaRPr lang="en-US" altLang="ja-JP" sz="2000" dirty="0"/>
+              <a:rPr lang="ja-JP" altLang="en-US" sz="2400"/>
+              <a:t>タイトル確認</a:t>
+            </a:r>
+            <a:r>
+              <a:rPr lang="en-US" altLang="ja-JP" sz="2400" dirty="0"/>
+              <a:t> [WIP] </a:t>
+            </a:r>
+            <a:r>
+              <a:rPr lang="en-US" altLang="ja-JP" sz="2400" dirty="0" err="1"/>
+              <a:t>xxx_title</a:t>
+            </a:r>
+            <a:r>
+              <a:rPr lang="en-US" altLang="ja-JP" sz="2400" dirty="0"/>
+              <a:t> </a:t>
+            </a:r>
+            <a:br>
+              <a:rPr lang="en-US" altLang="ja-JP" sz="2400" dirty="0"/>
+            </a:br>
+            <a:r>
+              <a:rPr lang="en-US" altLang="ja-JP" sz="2400" dirty="0"/>
+              <a:t>xxx</a:t>
+            </a:r>
+            <a:r>
+              <a:rPr lang="ja-JP" altLang="en-US" sz="2400"/>
+              <a:t>の部分に連番を入れられるとわかりやすい</a:t>
+            </a:r>
+            <a:endParaRPr lang="en-US" altLang="ja-JP" sz="2400" dirty="0"/>
           </a:p>
           <a:p>
             <a:pPr marL="514350" indent="-514350">
@@ -6262,10 +6269,18 @@
               <a:buAutoNum type="arabicPeriod"/>
             </a:pPr>
             <a:r>
-              <a:rPr lang="ja-JP" altLang="en-US" sz="2000"/>
-              <a:t>レビュー内容を記載</a:t>
-            </a:r>
-            <a:endParaRPr lang="en-US" altLang="ja-JP" sz="2000" dirty="0"/>
+              <a:rPr lang="ja-JP" altLang="en-US" sz="2400"/>
+              <a:t>実装内容を記載</a:t>
+            </a:r>
+            <a:r>
+              <a:rPr lang="en-US" altLang="ja-JP" sz="2400" dirty="0"/>
+              <a:t> </a:t>
+            </a:r>
+            <a:r>
+              <a:rPr lang="ja-JP" altLang="en-US" sz="2400"/>
+              <a:t>タスク管理アプリのリンクなども添付</a:t>
+            </a:r>
+            <a:endParaRPr lang="en-US" altLang="ja-JP" sz="2400" dirty="0"/>
           </a:p>
           <a:p>
             <a:pPr marL="514350" indent="-514350">
@@ -6273,18 +6288,53 @@
               <a:buAutoNum type="arabicPeriod"/>
             </a:pPr>
             <a:r>
-              <a:rPr lang="ja-JP" altLang="en-US" sz="2000"/>
-              <a:t>決定</a:t>
-            </a:r>
+              <a:rPr lang="ja-JP" altLang="en-US" sz="2400"/>
+              <a:t>レビューする人を指定</a:t>
+            </a:r>
+            <a:r>
+              <a:rPr lang="en-US" altLang="ja-JP" sz="2400" dirty="0"/>
+              <a:t>(</a:t>
+            </a:r>
+            <a:r>
+              <a:rPr lang="ja-JP" altLang="en-US" sz="2400"/>
+              <a:t>チームアカウントの時</a:t>
+            </a:r>
+            <a:r>
+              <a:rPr lang="en-US" altLang="ja-JP" sz="2400" dirty="0"/>
+              <a:t>)</a:t>
+            </a:r>
+          </a:p>
+          <a:p>
+            <a:pPr marL="514350" indent="-514350">
+              <a:buFont typeface="+mj-lt"/>
+              <a:buAutoNum type="arabicPeriod"/>
+            </a:pPr>
+            <a:r>
+              <a:rPr lang="ja-JP" altLang="en-US" sz="2400"/>
+              <a:t>プルリク作成</a:t>
+            </a:r>
+          </a:p>
+          <a:p>
+            <a:pPr marL="0" indent="0">
+              <a:buNone/>
+            </a:pPr>
+            <a:endParaRPr kumimoji="1" lang="en-US" altLang="ja-JP" sz="2000" kern="1200" dirty="0">
+              <a:solidFill>
+                <a:srgbClr val="FFFFFF"/>
+              </a:solidFill>
+              <a:latin typeface="+mn-lt"/>
+              <a:ea typeface="+mn-ea"/>
+              <a:cs typeface="+mn-cs"/>
+            </a:endParaRPr>
           </a:p>
         </p:txBody>
       </p:sp>
       <p:pic>
         <p:nvPicPr>
-          <p:cNvPr id="9" name="図 8" descr="テレビゲームの画面のスクリーンショット&#10;&#10;中程度の精度で自動的に生成された説明">
-            <a:extLst>
-              <a:ext uri="{FF2B5EF4-FFF2-40B4-BE49-F238E27FC236}">
-                <a16:creationId xmlns:a16="http://schemas.microsoft.com/office/drawing/2014/main" id="{F2DB34EC-E525-164B-AA56-ADCC486F630B}"/>
+          <p:cNvPr id="9" name="図 8" descr="モニター画面に映るウェブサイトのスクリーンショット&#10;&#10;自動的に生成された説明">
+            <a:extLst>
+              <a:ext uri="{FF2B5EF4-FFF2-40B4-BE49-F238E27FC236}">
+                <a16:creationId xmlns:a16="http://schemas.microsoft.com/office/drawing/2014/main" id="{57069C92-F095-C34F-BC27-3120FDBCFA35}"/>
               </a:ext>
             </a:extLst>
           </p:cNvPr>
@@ -6301,8 +6351,8 @@
         </p:blipFill>
         <p:spPr>
           <a:xfrm>
-            <a:off x="6150907" y="3446460"/>
-            <a:ext cx="5645432" cy="3116994"/>
+            <a:off x="5641040" y="4434246"/>
+            <a:ext cx="6306671" cy="2312334"/>
           </a:xfrm>
           <a:prstGeom prst="rect">
             <a:avLst/>
@@ -6312,7 +6362,7 @@
     </p:spTree>
     <p:extLst>
       <p:ext uri="{BB962C8B-B14F-4D97-AF65-F5344CB8AC3E}">
-        <p14:creationId xmlns:p14="http://schemas.microsoft.com/office/powerpoint/2010/main" val="3850103233"/>
+        <p14:creationId xmlns:p14="http://schemas.microsoft.com/office/powerpoint/2010/main" val="380074771"/>
       </p:ext>
     </p:extLst>
   </p:cSld>
@@ -6710,8 +6760,8 @@
         </p:nvSpPr>
         <p:spPr>
           <a:xfrm>
-            <a:off x="612307" y="827638"/>
-            <a:ext cx="12813312" cy="3461750"/>
+            <a:off x="699713" y="1100217"/>
+            <a:ext cx="15188287" cy="4103393"/>
           </a:xfrm>
         </p:spPr>
         <p:txBody>
@@ -6720,34 +6770,63 @@
           </a:bodyPr>
           <a:lstStyle/>
           <a:p>
-            <a:pPr marL="0" indent="0">
-              <a:buNone/>
+            <a:pPr marL="514350" indent="-514350">
+              <a:buFont typeface="+mj-lt"/>
+              <a:buAutoNum type="arabicPeriod"/>
             </a:pPr>
             <a:r>
-              <a:rPr lang="ja-JP" altLang="en-US"/>
-              <a:t>マージ後</a:t>
-            </a:r>
-            <a:endParaRPr lang="en-US" altLang="ja-JP" dirty="0"/>
-          </a:p>
-          <a:p>
-            <a:r>
-              <a:rPr lang="en-US" altLang="ja-JP" dirty="0"/>
-              <a:t>Delete branch</a:t>
-            </a:r>
-            <a:r>
-              <a:rPr lang="ja-JP" altLang="en-US"/>
-              <a:t>をクリックして作業を行ったリモートブランチを削除</a:t>
-            </a:r>
-            <a:endParaRPr lang="en-US" altLang="ja-JP" dirty="0"/>
+              <a:rPr lang="en-US" altLang="ja-JP" sz="2000" dirty="0"/>
+              <a:t>Files changed</a:t>
+            </a:r>
+          </a:p>
+          <a:p>
+            <a:pPr marL="514350" indent="-514350">
+              <a:buFont typeface="+mj-lt"/>
+              <a:buAutoNum type="arabicPeriod"/>
+            </a:pPr>
+            <a:r>
+              <a:rPr lang="ja-JP" altLang="en-US" sz="2000"/>
+              <a:t>行番号あたりにカーソルを持っていくと</a:t>
+            </a:r>
+            <a:r>
+              <a:rPr lang="en-US" altLang="ja-JP" sz="2000" dirty="0"/>
+              <a:t>+</a:t>
+            </a:r>
+            <a:r>
+              <a:rPr lang="ja-JP" altLang="en-US" sz="2000"/>
+              <a:t>ボタンが現れるのでクリック</a:t>
+            </a:r>
+            <a:endParaRPr lang="en-US" altLang="ja-JP" sz="2000" dirty="0"/>
+          </a:p>
+          <a:p>
+            <a:pPr marL="514350" indent="-514350">
+              <a:buFont typeface="+mj-lt"/>
+              <a:buAutoNum type="arabicPeriod"/>
+            </a:pPr>
+            <a:r>
+              <a:rPr lang="ja-JP" altLang="en-US" sz="2000"/>
+              <a:t>レビュー内容を記載</a:t>
+            </a:r>
+            <a:endParaRPr lang="en-US" altLang="ja-JP" sz="2000" dirty="0"/>
+          </a:p>
+          <a:p>
+            <a:pPr marL="514350" indent="-514350">
+              <a:buFont typeface="+mj-lt"/>
+              <a:buAutoNum type="arabicPeriod"/>
+            </a:pPr>
+            <a:r>
+              <a:rPr lang="ja-JP" altLang="en-US" sz="2000"/>
+              <a:t>決定</a:t>
+            </a:r>
           </a:p>
         </p:txBody>
       </p:sp>
       <p:pic>
         <p:nvPicPr>
-          <p:cNvPr id="9" name="図 8" descr="携帯電話の画面のスクリーンショット&#10;&#10;自動的に生成された説明">
-            <a:extLst>
-              <a:ext uri="{FF2B5EF4-FFF2-40B4-BE49-F238E27FC236}">
-                <a16:creationId xmlns:a16="http://schemas.microsoft.com/office/drawing/2014/main" id="{BE21760D-F08B-D843-AFE1-5F80276B4962}"/>
+          <p:cNvPr id="9" name="図 8" descr="テレビゲームの画面のスクリーンショット&#10;&#10;中程度の精度で自動的に生成された説明">
+            <a:extLst>
+              <a:ext uri="{FF2B5EF4-FFF2-40B4-BE49-F238E27FC236}">
+                <a16:creationId xmlns:a16="http://schemas.microsoft.com/office/drawing/2014/main" id="{F2DB34EC-E525-164B-AA56-ADCC486F630B}"/>
               </a:ext>
             </a:extLst>
           </p:cNvPr>
@@ -6764,8 +6843,8 @@
         </p:blipFill>
         <p:spPr>
           <a:xfrm>
-            <a:off x="6037730" y="3226392"/>
-            <a:ext cx="5853112" cy="3483690"/>
+            <a:off x="6150907" y="3446460"/>
+            <a:ext cx="5645432" cy="3116994"/>
           </a:xfrm>
           <a:prstGeom prst="rect">
             <a:avLst/>
@@ -6775,7 +6854,7 @@
     </p:spTree>
     <p:extLst>
       <p:ext uri="{BB962C8B-B14F-4D97-AF65-F5344CB8AC3E}">
-        <p14:creationId xmlns:p14="http://schemas.microsoft.com/office/powerpoint/2010/main" val="3204618452"/>
+        <p14:creationId xmlns:p14="http://schemas.microsoft.com/office/powerpoint/2010/main" val="3850103233"/>
       </p:ext>
     </p:extLst>
   </p:cSld>
@@ -6812,10 +6891,10 @@
       </p:grpSpPr>
       <p:sp useBgFill="1">
         <p:nvSpPr>
-          <p:cNvPr id="8" name="Rectangle 7">
-            <a:extLst>
-              <a:ext uri="{FF2B5EF4-FFF2-40B4-BE49-F238E27FC236}">
-                <a16:creationId xmlns:a16="http://schemas.microsoft.com/office/drawing/2014/main" id="{1B15ED52-F352-441B-82BF-E0EA34836D08}"/>
+          <p:cNvPr id="10" name="Rectangle 9">
+            <a:extLst>
+              <a:ext uri="{FF2B5EF4-FFF2-40B4-BE49-F238E27FC236}">
+                <a16:creationId xmlns:a16="http://schemas.microsoft.com/office/drawing/2014/main" id="{A8384FB5-9ADC-4DDC-881B-597D56F5B15D}"/>
               </a:ext>
               <a:ext uri="{C183D7F6-B498-43B3-948B-1728B52AA6E4}">
                 <adec:decorative xmlns:adec="http://schemas.microsoft.com/office/drawing/2017/decorative" val="1"/>
@@ -6888,10 +6967,10 @@
       </p:sp>
       <p:sp>
         <p:nvSpPr>
-          <p:cNvPr id="10" name="Rectangle 9">
-            <a:extLst>
-              <a:ext uri="{FF2B5EF4-FFF2-40B4-BE49-F238E27FC236}">
-                <a16:creationId xmlns:a16="http://schemas.microsoft.com/office/drawing/2014/main" id="{3B2E3793-BFE6-45A2-9B7B-E18844431C99}"/>
+          <p:cNvPr id="12" name="Rectangle 11">
+            <a:extLst>
+              <a:ext uri="{FF2B5EF4-FFF2-40B4-BE49-F238E27FC236}">
+                <a16:creationId xmlns:a16="http://schemas.microsoft.com/office/drawing/2014/main" id="{1199E1B1-A8C0-4FE8-A5A8-1CB41D69F857}"/>
               </a:ext>
               <a:ext uri="{C183D7F6-B498-43B3-948B-1728B52AA6E4}">
                 <adec:decorative xmlns:adec="http://schemas.microsoft.com/office/drawing/2017/decorative" val="1"/>
@@ -6910,9 +6989,9 @@
           </p:nvPr>
         </p:nvSpPr>
         <p:spPr>
-          <a:xfrm flipH="1">
-            <a:off x="-1" y="-1"/>
-            <a:ext cx="12191998" cy="1590742"/>
+          <a:xfrm rot="10800000" flipH="1">
+            <a:off x="2" y="0"/>
+            <a:ext cx="12191998" cy="1575955"/>
           </a:xfrm>
           <a:prstGeom prst="rect">
             <a:avLst/>
@@ -6920,11 +6999,90 @@
           <a:gradFill>
             <a:gsLst>
               <a:gs pos="0">
-                <a:srgbClr val="000000"/>
+                <a:srgbClr val="000000">
+                  <a:alpha val="96000"/>
+                </a:srgbClr>
               </a:gs>
               <a:gs pos="100000">
                 <a:schemeClr val="accent1">
                   <a:lumMod val="75000"/>
+                </a:schemeClr>
+              </a:gs>
+            </a:gsLst>
+            <a:lin ang="6000000" scaled="0"/>
+          </a:gradFill>
+          <a:ln>
+            <a:noFill/>
+          </a:ln>
+        </p:spPr>
+        <p:style>
+          <a:lnRef idx="2">
+            <a:schemeClr val="accent1">
+              <a:shade val="50000"/>
+            </a:schemeClr>
+          </a:lnRef>
+          <a:fillRef idx="1">
+            <a:schemeClr val="accent1"/>
+          </a:fillRef>
+          <a:effectRef idx="0">
+            <a:schemeClr val="accent1"/>
+          </a:effectRef>
+          <a:fontRef idx="minor">
+            <a:schemeClr val="lt1"/>
+          </a:fontRef>
+        </p:style>
+        <p:txBody>
+          <a:bodyPr rtlCol="0" anchor="ctr"/>
+          <a:lstStyle/>
+          <a:p>
+            <a:pPr algn="ctr"/>
+            <a:endParaRPr lang="en-US"/>
+          </a:p>
+        </p:txBody>
+      </p:sp>
+      <p:sp>
+        <p:nvSpPr>
+          <p:cNvPr id="14" name="Rectangle 13">
+            <a:extLst>
+              <a:ext uri="{FF2B5EF4-FFF2-40B4-BE49-F238E27FC236}">
+                <a16:creationId xmlns:a16="http://schemas.microsoft.com/office/drawing/2014/main" id="{84A8DE83-DE75-4B41-9DB4-A7EC0B0DEC0B}"/>
+              </a:ext>
+              <a:ext uri="{C183D7F6-B498-43B3-948B-1728B52AA6E4}">
+                <adec:decorative xmlns:adec="http://schemas.microsoft.com/office/drawing/2017/decorative" val="1"/>
+              </a:ext>
+            </a:extLst>
+          </p:cNvPr>
+          <p:cNvSpPr>
+            <a:spLocks noGrp="1" noRot="1" noChangeAspect="1" noMove="1" noResize="1" noEditPoints="1" noAdjustHandles="1" noChangeArrowheads="1" noChangeShapeType="1" noTextEdit="1"/>
+          </p:cNvSpPr>
+          <p:nvPr>
+            <p:extLst>
+              <p:ext uri="{386F3935-93C4-4BCD-93E2-E3B085C9AB24}">
+                <p16:designElem xmlns:p16="http://schemas.microsoft.com/office/powerpoint/2015/main" val="1"/>
+              </p:ext>
+            </p:extLst>
+          </p:nvPr>
+        </p:nvSpPr>
+        <p:spPr>
+          <a:xfrm>
+            <a:off x="0" y="0"/>
+            <a:ext cx="8128856" cy="1575461"/>
+          </a:xfrm>
+          <a:prstGeom prst="rect">
+            <a:avLst/>
+          </a:prstGeom>
+          <a:gradFill>
+            <a:gsLst>
+              <a:gs pos="0">
+                <a:schemeClr val="accent1">
+                  <a:alpha val="41000"/>
+                </a:schemeClr>
+              </a:gs>
+              <a:gs pos="74000">
+                <a:schemeClr val="accent1">
+                  <a:lumMod val="60000"/>
+                  <a:lumOff val="40000"/>
+                  <a:alpha val="0"/>
                 </a:schemeClr>
               </a:gs>
             </a:gsLst>
@@ -6961,10 +7119,10 @@
       </p:sp>
       <p:sp>
         <p:nvSpPr>
-          <p:cNvPr id="12" name="Rectangle 11">
-            <a:extLst>
-              <a:ext uri="{FF2B5EF4-FFF2-40B4-BE49-F238E27FC236}">
-                <a16:creationId xmlns:a16="http://schemas.microsoft.com/office/drawing/2014/main" id="{BC4C4868-CB8F-4AF9-9CDB-8108F2C19B67}"/>
+          <p:cNvPr id="16" name="Rectangle 15">
+            <a:extLst>
+              <a:ext uri="{FF2B5EF4-FFF2-40B4-BE49-F238E27FC236}">
+                <a16:creationId xmlns:a16="http://schemas.microsoft.com/office/drawing/2014/main" id="{A7009A0A-BEF5-4EAC-AF15-E4F9F002E239}"/>
               </a:ext>
               <a:ext uri="{C183D7F6-B498-43B3-948B-1728B52AA6E4}">
                 <adec:decorative xmlns:adec="http://schemas.microsoft.com/office/drawing/2017/decorative" val="1"/>
@@ -6983,28 +7141,27 @@
           </p:nvPr>
         </p:nvSpPr>
         <p:spPr>
-          <a:xfrm rot="10800000" flipH="1">
-            <a:off x="-3" y="0"/>
-            <a:ext cx="8115306" cy="1590742"/>
+          <a:xfrm flipH="1">
+            <a:off x="-3" y="-1"/>
+            <a:ext cx="12192002" cy="1574311"/>
           </a:xfrm>
           <a:prstGeom prst="rect">
             <a:avLst/>
           </a:prstGeom>
           <a:gradFill>
             <a:gsLst>
-              <a:gs pos="20000">
+              <a:gs pos="0">
+                <a:srgbClr val="000000">
+                  <a:alpha val="63000"/>
+                </a:srgbClr>
+              </a:gs>
+              <a:gs pos="78000">
                 <a:schemeClr val="accent1">
-                  <a:alpha val="0"/>
-                </a:schemeClr>
-              </a:gs>
-              <a:gs pos="100000">
-                <a:schemeClr val="accent1">
-                  <a:lumMod val="50000"/>
-                  <a:alpha val="55000"/>
+                  <a:alpha val="15000"/>
                 </a:schemeClr>
               </a:gs>
             </a:gsLst>
-            <a:lin ang="13800000" scaled="0"/>
+            <a:lin ang="15600000" scaled="0"/>
           </a:gradFill>
           <a:ln>
             <a:noFill/>
@@ -7037,309 +7194,130 @@
       </p:sp>
       <p:sp>
         <p:nvSpPr>
-          <p:cNvPr id="14" name="Rectangle 13">
-            <a:extLst>
-              <a:ext uri="{FF2B5EF4-FFF2-40B4-BE49-F238E27FC236}">
-                <a16:creationId xmlns:a16="http://schemas.microsoft.com/office/drawing/2014/main" id="{375E0459-6403-40CD-989D-56A4407CA12E}"/>
-              </a:ext>
-              <a:ext uri="{C183D7F6-B498-43B3-948B-1728B52AA6E4}">
-                <adec:decorative xmlns:adec="http://schemas.microsoft.com/office/drawing/2017/decorative" val="1"/>
-              </a:ext>
-            </a:extLst>
-          </p:cNvPr>
-          <p:cNvSpPr>
-            <a:spLocks noGrp="1" noRot="1" noChangeAspect="1" noMove="1" noResize="1" noEditPoints="1" noAdjustHandles="1" noChangeArrowheads="1" noChangeShapeType="1" noTextEdit="1"/>
-          </p:cNvSpPr>
-          <p:nvPr>
-            <p:extLst>
-              <p:ext uri="{386F3935-93C4-4BCD-93E2-E3B085C9AB24}">
-                <p16:designElem xmlns:p16="http://schemas.microsoft.com/office/powerpoint/2015/main" val="1"/>
-              </p:ext>
-            </p:extLst>
-          </p:nvPr>
-        </p:nvSpPr>
-        <p:spPr>
-          <a:xfrm flipH="1">
-            <a:off x="8115299" y="-1"/>
-            <a:ext cx="4076698" cy="1590742"/>
+          <p:cNvPr id="2" name="タイトル 1">
+            <a:extLst>
+              <a:ext uri="{FF2B5EF4-FFF2-40B4-BE49-F238E27FC236}">
+                <a16:creationId xmlns:a16="http://schemas.microsoft.com/office/drawing/2014/main" id="{B6BED792-4108-6143-B393-EE170E158D40}"/>
+              </a:ext>
+            </a:extLst>
+          </p:cNvPr>
+          <p:cNvSpPr>
+            <a:spLocks noGrp="1"/>
+          </p:cNvSpPr>
+          <p:nvPr>
+            <p:ph type="title"/>
+          </p:nvPr>
+        </p:nvSpPr>
+        <p:spPr>
+          <a:xfrm>
+            <a:off x="699713" y="248038"/>
+            <a:ext cx="7063721" cy="1159200"/>
+          </a:xfrm>
+        </p:spPr>
+        <p:txBody>
+          <a:bodyPr vert="horz" lIns="91440" tIns="45720" rIns="91440" bIns="45720" rtlCol="0" anchor="ctr">
+            <a:normAutofit/>
+          </a:bodyPr>
+          <a:lstStyle/>
+          <a:p>
+            <a:r>
+              <a:rPr kumimoji="1" lang="ja-JP" altLang="en-US" sz="4000" kern="1200">
+                <a:solidFill>
+                  <a:srgbClr val="FFFFFF"/>
+                </a:solidFill>
+                <a:latin typeface="+mj-lt"/>
+                <a:ea typeface="+mj-ea"/>
+                <a:cs typeface="+mj-cs"/>
+              </a:rPr>
+              <a:t>プルリク</a:t>
+            </a:r>
+          </a:p>
+        </p:txBody>
+      </p:sp>
+      <p:sp>
+        <p:nvSpPr>
+          <p:cNvPr id="3" name="コンテンツ プレースホルダー 2">
+            <a:extLst>
+              <a:ext uri="{FF2B5EF4-FFF2-40B4-BE49-F238E27FC236}">
+                <a16:creationId xmlns:a16="http://schemas.microsoft.com/office/drawing/2014/main" id="{F9EBE463-5922-AE41-8CFC-7DAB67839DE9}"/>
+              </a:ext>
+            </a:extLst>
+          </p:cNvPr>
+          <p:cNvSpPr>
+            <a:spLocks noGrp="1"/>
+          </p:cNvSpPr>
+          <p:nvPr>
+            <p:ph idx="1"/>
+          </p:nvPr>
+        </p:nvSpPr>
+        <p:spPr>
+          <a:xfrm>
+            <a:off x="612307" y="827638"/>
+            <a:ext cx="12813312" cy="3461750"/>
+          </a:xfrm>
+        </p:spPr>
+        <p:txBody>
+          <a:bodyPr vert="horz" lIns="91440" tIns="45720" rIns="91440" bIns="45720" rtlCol="0" anchor="ctr">
+            <a:normAutofit/>
+          </a:bodyPr>
+          <a:lstStyle/>
+          <a:p>
+            <a:pPr marL="0" indent="0">
+              <a:buNone/>
+            </a:pPr>
+            <a:r>
+              <a:rPr lang="ja-JP" altLang="en-US"/>
+              <a:t>マージ後</a:t>
+            </a:r>
+            <a:endParaRPr lang="en-US" altLang="ja-JP" dirty="0"/>
+          </a:p>
+          <a:p>
+            <a:r>
+              <a:rPr lang="en-US" altLang="ja-JP" dirty="0"/>
+              <a:t>Delete branch</a:t>
+            </a:r>
+            <a:r>
+              <a:rPr lang="ja-JP" altLang="en-US"/>
+              <a:t>をクリックして作業を行ったリモートブランチを削除</a:t>
+            </a:r>
+            <a:endParaRPr lang="en-US" altLang="ja-JP" dirty="0"/>
+          </a:p>
+        </p:txBody>
+      </p:sp>
+      <p:pic>
+        <p:nvPicPr>
+          <p:cNvPr id="9" name="図 8" descr="携帯電話の画面のスクリーンショット&#10;&#10;自動的に生成された説明">
+            <a:extLst>
+              <a:ext uri="{FF2B5EF4-FFF2-40B4-BE49-F238E27FC236}">
+                <a16:creationId xmlns:a16="http://schemas.microsoft.com/office/drawing/2014/main" id="{BE21760D-F08B-D843-AFE1-5F80276B4962}"/>
+              </a:ext>
+            </a:extLst>
+          </p:cNvPr>
+          <p:cNvPicPr>
+            <a:picLocks noChangeAspect="1"/>
+          </p:cNvPicPr>
+          <p:nvPr/>
+        </p:nvPicPr>
+        <p:blipFill>
+          <a:blip r:embed="rId2"/>
+          <a:stretch>
+            <a:fillRect/>
+          </a:stretch>
+        </p:blipFill>
+        <p:spPr>
+          <a:xfrm>
+            <a:off x="6037730" y="3226392"/>
+            <a:ext cx="5853112" cy="3483690"/>
           </a:xfrm>
           <a:prstGeom prst="rect">
             <a:avLst/>
           </a:prstGeom>
-          <a:gradFill>
-            <a:gsLst>
-              <a:gs pos="0">
-                <a:schemeClr val="accent1">
-                  <a:alpha val="66000"/>
-                </a:schemeClr>
-              </a:gs>
-              <a:gs pos="100000">
-                <a:srgbClr val="000000">
-                  <a:alpha val="30000"/>
-                </a:srgbClr>
-              </a:gs>
-            </a:gsLst>
-            <a:lin ang="13200000" scaled="0"/>
-          </a:gradFill>
-          <a:ln>
-            <a:noFill/>
-          </a:ln>
-        </p:spPr>
-        <p:style>
-          <a:lnRef idx="2">
-            <a:schemeClr val="accent1">
-              <a:shade val="50000"/>
-            </a:schemeClr>
-          </a:lnRef>
-          <a:fillRef idx="1">
-            <a:schemeClr val="accent1"/>
-          </a:fillRef>
-          <a:effectRef idx="0">
-            <a:schemeClr val="accent1"/>
-          </a:effectRef>
-          <a:fontRef idx="minor">
-            <a:schemeClr val="lt1"/>
-          </a:fontRef>
-        </p:style>
-        <p:txBody>
-          <a:bodyPr rtlCol="0" anchor="ctr"/>
-          <a:lstStyle/>
-          <a:p>
-            <a:pPr algn="ctr"/>
-            <a:endParaRPr lang="en-US"/>
-          </a:p>
-        </p:txBody>
-      </p:sp>
-      <p:sp>
-        <p:nvSpPr>
-          <p:cNvPr id="16" name="Rectangle 15">
-            <a:extLst>
-              <a:ext uri="{FF2B5EF4-FFF2-40B4-BE49-F238E27FC236}">
-                <a16:creationId xmlns:a16="http://schemas.microsoft.com/office/drawing/2014/main" id="{53E5B1A8-3AC9-4BD1-9BBC-78CA94F2D1BA}"/>
-              </a:ext>
-              <a:ext uri="{C183D7F6-B498-43B3-948B-1728B52AA6E4}">
-                <adec:decorative xmlns:adec="http://schemas.microsoft.com/office/drawing/2017/decorative" val="1"/>
-              </a:ext>
-            </a:extLst>
-          </p:cNvPr>
-          <p:cNvSpPr>
-            <a:spLocks noGrp="1" noRot="1" noChangeAspect="1" noMove="1" noResize="1" noEditPoints="1" noAdjustHandles="1" noChangeArrowheads="1" noChangeShapeType="1" noTextEdit="1"/>
-          </p:cNvSpPr>
-          <p:nvPr>
-            <p:extLst>
-              <p:ext uri="{386F3935-93C4-4BCD-93E2-E3B085C9AB24}">
-                <p16:designElem xmlns:p16="http://schemas.microsoft.com/office/powerpoint/2015/main" val="1"/>
-              </p:ext>
-            </p:extLst>
-          </p:nvPr>
-        </p:nvSpPr>
-        <p:spPr>
-          <a:xfrm>
-            <a:off x="459350" y="-1"/>
-            <a:ext cx="11732646" cy="1597433"/>
-          </a:xfrm>
-          <a:prstGeom prst="rect">
-            <a:avLst/>
-          </a:prstGeom>
-          <a:gradFill>
-            <a:gsLst>
-              <a:gs pos="50000">
-                <a:srgbClr val="000000">
-                  <a:alpha val="0"/>
-                </a:srgbClr>
-              </a:gs>
-              <a:gs pos="99000">
-                <a:schemeClr val="accent1">
-                  <a:lumMod val="50000"/>
-                  <a:alpha val="52000"/>
-                </a:schemeClr>
-              </a:gs>
-            </a:gsLst>
-            <a:lin ang="16800000" scaled="0"/>
-          </a:gradFill>
-          <a:ln>
-            <a:noFill/>
-          </a:ln>
-        </p:spPr>
-        <p:style>
-          <a:lnRef idx="2">
-            <a:schemeClr val="accent1">
-              <a:shade val="50000"/>
-            </a:schemeClr>
-          </a:lnRef>
-          <a:fillRef idx="1">
-            <a:schemeClr val="accent1"/>
-          </a:fillRef>
-          <a:effectRef idx="0">
-            <a:schemeClr val="accent1"/>
-          </a:effectRef>
-          <a:fontRef idx="minor">
-            <a:schemeClr val="lt1"/>
-          </a:fontRef>
-        </p:style>
-        <p:txBody>
-          <a:bodyPr rtlCol="0" anchor="ctr"/>
-          <a:lstStyle/>
-          <a:p>
-            <a:pPr algn="ctr"/>
-            <a:endParaRPr lang="en-US"/>
-          </a:p>
-        </p:txBody>
-      </p:sp>
-      <p:sp>
-        <p:nvSpPr>
-          <p:cNvPr id="2" name="タイトル 1">
-            <a:extLst>
-              <a:ext uri="{FF2B5EF4-FFF2-40B4-BE49-F238E27FC236}">
-                <a16:creationId xmlns:a16="http://schemas.microsoft.com/office/drawing/2014/main" id="{DF8CC9E2-D770-C649-BC12-806F469A0249}"/>
-              </a:ext>
-            </a:extLst>
-          </p:cNvPr>
-          <p:cNvSpPr>
-            <a:spLocks noGrp="1"/>
-          </p:cNvSpPr>
-          <p:nvPr>
-            <p:ph type="title"/>
-          </p:nvPr>
-        </p:nvSpPr>
-        <p:spPr>
-          <a:xfrm>
-            <a:off x="1371599" y="294538"/>
-            <a:ext cx="9895951" cy="1033669"/>
-          </a:xfrm>
-        </p:spPr>
-        <p:txBody>
-          <a:bodyPr>
-            <a:normAutofit/>
-          </a:bodyPr>
-          <a:lstStyle/>
-          <a:p>
-            <a:r>
-              <a:rPr kumimoji="1" lang="ja-JP" altLang="en-US" sz="4000">
-                <a:solidFill>
-                  <a:srgbClr val="FFFFFF"/>
-                </a:solidFill>
-              </a:rPr>
-              <a:t>プルリク</a:t>
-            </a:r>
-            <a:r>
-              <a:rPr kumimoji="1" lang="en-US" altLang="ja-JP" sz="4000">
-                <a:solidFill>
-                  <a:srgbClr val="FFFFFF"/>
-                </a:solidFill>
-              </a:rPr>
-              <a:t>[tips1]</a:t>
-            </a:r>
-            <a:endParaRPr kumimoji="1" lang="ja-JP" altLang="en-US" sz="4000">
-              <a:solidFill>
-                <a:srgbClr val="FFFFFF"/>
-              </a:solidFill>
-            </a:endParaRPr>
-          </a:p>
-        </p:txBody>
-      </p:sp>
-      <p:sp>
-        <p:nvSpPr>
-          <p:cNvPr id="3" name="コンテンツ プレースホルダー 2">
-            <a:extLst>
-              <a:ext uri="{FF2B5EF4-FFF2-40B4-BE49-F238E27FC236}">
-                <a16:creationId xmlns:a16="http://schemas.microsoft.com/office/drawing/2014/main" id="{216F4E6A-E501-5644-AC3F-33D2410E7371}"/>
-              </a:ext>
-            </a:extLst>
-          </p:cNvPr>
-          <p:cNvSpPr>
-            <a:spLocks noGrp="1"/>
-          </p:cNvSpPr>
-          <p:nvPr>
-            <p:ph idx="1"/>
-          </p:nvPr>
-        </p:nvSpPr>
-        <p:spPr>
-          <a:xfrm>
-            <a:off x="1371599" y="2318197"/>
-            <a:ext cx="9724031" cy="3683358"/>
-          </a:xfrm>
-        </p:spPr>
-        <p:txBody>
-          <a:bodyPr anchor="ctr">
-            <a:normAutofit/>
-          </a:bodyPr>
-          <a:lstStyle/>
-          <a:p>
-            <a:r>
-              <a:rPr lang="ja-JP" altLang="en-US" sz="2400"/>
-              <a:t>開発中の機能が重い場合は</a:t>
-            </a:r>
-            <a:r>
-              <a:rPr lang="en-US" altLang="ja-JP" sz="2400" dirty="0"/>
-              <a:t>master</a:t>
-            </a:r>
-            <a:r>
-              <a:rPr lang="ja-JP" altLang="en-US" sz="2400"/>
-              <a:t>と作業ブランチの間に作業</a:t>
-            </a:r>
-            <a:r>
-              <a:rPr lang="en-US" altLang="ja-JP" sz="2400" dirty="0"/>
-              <a:t>master</a:t>
-            </a:r>
-            <a:r>
-              <a:rPr lang="ja-JP" altLang="en-US" sz="2400"/>
-              <a:t>ブランチを入れる</a:t>
-            </a:r>
-            <a:endParaRPr lang="en-US" altLang="ja-JP" sz="2400" dirty="0"/>
-          </a:p>
-          <a:p>
-            <a:r>
-              <a:rPr lang="en-US" altLang="ja-JP" sz="2400" dirty="0"/>
-              <a:t>master</a:t>
-            </a:r>
-          </a:p>
-          <a:p>
-            <a:pPr lvl="1"/>
-            <a:r>
-              <a:rPr lang="en-US" altLang="ja-JP" dirty="0" err="1"/>
-              <a:t>login_master</a:t>
-            </a:r>
-            <a:endParaRPr lang="en-US" altLang="ja-JP" dirty="0"/>
-          </a:p>
-          <a:p>
-            <a:pPr lvl="2"/>
-            <a:r>
-              <a:rPr lang="en-US" altLang="ja-JP" sz="2400" dirty="0" err="1"/>
-              <a:t>l</a:t>
-            </a:r>
-            <a:r>
-              <a:rPr kumimoji="1" lang="en-US" altLang="ja-JP" sz="2400" dirty="0" err="1"/>
-              <a:t>ogin_form</a:t>
-            </a:r>
-            <a:endParaRPr kumimoji="1" lang="en-US" altLang="ja-JP" sz="2400" dirty="0"/>
-          </a:p>
-          <a:p>
-            <a:pPr lvl="2"/>
-            <a:r>
-              <a:rPr lang="en-US" altLang="ja-JP" sz="2400" dirty="0" err="1"/>
-              <a:t>login_save</a:t>
-            </a:r>
-            <a:endParaRPr lang="en-US" altLang="ja-JP" sz="2400" dirty="0"/>
-          </a:p>
-          <a:p>
-            <a:pPr lvl="2"/>
-            <a:r>
-              <a:rPr lang="en-US" altLang="ja-JP" sz="2400" dirty="0" err="1"/>
-              <a:t>l</a:t>
-            </a:r>
-            <a:r>
-              <a:rPr kumimoji="1" lang="en-US" altLang="ja-JP" sz="2400" dirty="0" err="1"/>
-              <a:t>ogin_front</a:t>
-            </a:r>
-            <a:endParaRPr kumimoji="1" lang="ja-JP" altLang="en-US" sz="2400"/>
-          </a:p>
-        </p:txBody>
-      </p:sp>
+        </p:spPr>
+      </p:pic>
     </p:spTree>
     <p:extLst>
       <p:ext uri="{BB962C8B-B14F-4D97-AF65-F5344CB8AC3E}">
-        <p14:creationId xmlns:p14="http://schemas.microsoft.com/office/powerpoint/2010/main" val="2042043852"/>
+        <p14:creationId xmlns:p14="http://schemas.microsoft.com/office/powerpoint/2010/main" val="3204618452"/>
       </p:ext>
     </p:extLst>
   </p:cSld>
@@ -7755,6 +7733,570 @@
           <p:cNvPr id="2" name="タイトル 1">
             <a:extLst>
               <a:ext uri="{FF2B5EF4-FFF2-40B4-BE49-F238E27FC236}">
+                <a16:creationId xmlns:a16="http://schemas.microsoft.com/office/drawing/2014/main" id="{DF8CC9E2-D770-C649-BC12-806F469A0249}"/>
+              </a:ext>
+            </a:extLst>
+          </p:cNvPr>
+          <p:cNvSpPr>
+            <a:spLocks noGrp="1"/>
+          </p:cNvSpPr>
+          <p:nvPr>
+            <p:ph type="title"/>
+          </p:nvPr>
+        </p:nvSpPr>
+        <p:spPr>
+          <a:xfrm>
+            <a:off x="1371599" y="294538"/>
+            <a:ext cx="9895951" cy="1033669"/>
+          </a:xfrm>
+        </p:spPr>
+        <p:txBody>
+          <a:bodyPr>
+            <a:normAutofit/>
+          </a:bodyPr>
+          <a:lstStyle/>
+          <a:p>
+            <a:r>
+              <a:rPr kumimoji="1" lang="ja-JP" altLang="en-US" sz="4000">
+                <a:solidFill>
+                  <a:srgbClr val="FFFFFF"/>
+                </a:solidFill>
+              </a:rPr>
+              <a:t>プルリク</a:t>
+            </a:r>
+            <a:r>
+              <a:rPr kumimoji="1" lang="en-US" altLang="ja-JP" sz="4000">
+                <a:solidFill>
+                  <a:srgbClr val="FFFFFF"/>
+                </a:solidFill>
+              </a:rPr>
+              <a:t>[tips1]</a:t>
+            </a:r>
+            <a:endParaRPr kumimoji="1" lang="ja-JP" altLang="en-US" sz="4000">
+              <a:solidFill>
+                <a:srgbClr val="FFFFFF"/>
+              </a:solidFill>
+            </a:endParaRPr>
+          </a:p>
+        </p:txBody>
+      </p:sp>
+      <p:sp>
+        <p:nvSpPr>
+          <p:cNvPr id="3" name="コンテンツ プレースホルダー 2">
+            <a:extLst>
+              <a:ext uri="{FF2B5EF4-FFF2-40B4-BE49-F238E27FC236}">
+                <a16:creationId xmlns:a16="http://schemas.microsoft.com/office/drawing/2014/main" id="{216F4E6A-E501-5644-AC3F-33D2410E7371}"/>
+              </a:ext>
+            </a:extLst>
+          </p:cNvPr>
+          <p:cNvSpPr>
+            <a:spLocks noGrp="1"/>
+          </p:cNvSpPr>
+          <p:nvPr>
+            <p:ph idx="1"/>
+          </p:nvPr>
+        </p:nvSpPr>
+        <p:spPr>
+          <a:xfrm>
+            <a:off x="1371599" y="2318197"/>
+            <a:ext cx="9724031" cy="3683358"/>
+          </a:xfrm>
+        </p:spPr>
+        <p:txBody>
+          <a:bodyPr anchor="ctr">
+            <a:normAutofit/>
+          </a:bodyPr>
+          <a:lstStyle/>
+          <a:p>
+            <a:r>
+              <a:rPr lang="ja-JP" altLang="en-US" sz="2400"/>
+              <a:t>開発中の機能が重い場合は</a:t>
+            </a:r>
+            <a:r>
+              <a:rPr lang="en-US" altLang="ja-JP" sz="2400" dirty="0"/>
+              <a:t>master</a:t>
+            </a:r>
+            <a:r>
+              <a:rPr lang="ja-JP" altLang="en-US" sz="2400"/>
+              <a:t>と作業ブランチの間に作業</a:t>
+            </a:r>
+            <a:r>
+              <a:rPr lang="en-US" altLang="ja-JP" sz="2400" dirty="0"/>
+              <a:t>master</a:t>
+            </a:r>
+            <a:r>
+              <a:rPr lang="ja-JP" altLang="en-US" sz="2400"/>
+              <a:t>ブランチを入れる</a:t>
+            </a:r>
+            <a:endParaRPr lang="en-US" altLang="ja-JP" sz="2400" dirty="0"/>
+          </a:p>
+          <a:p>
+            <a:r>
+              <a:rPr lang="en-US" altLang="ja-JP" sz="2400" dirty="0"/>
+              <a:t>master</a:t>
+            </a:r>
+          </a:p>
+          <a:p>
+            <a:pPr lvl="1"/>
+            <a:r>
+              <a:rPr lang="en-US" altLang="ja-JP" dirty="0" err="1"/>
+              <a:t>login_master</a:t>
+            </a:r>
+            <a:endParaRPr lang="en-US" altLang="ja-JP" dirty="0"/>
+          </a:p>
+          <a:p>
+            <a:pPr lvl="2"/>
+            <a:r>
+              <a:rPr lang="en-US" altLang="ja-JP" sz="2400" dirty="0" err="1"/>
+              <a:t>l</a:t>
+            </a:r>
+            <a:r>
+              <a:rPr kumimoji="1" lang="en-US" altLang="ja-JP" sz="2400" dirty="0" err="1"/>
+              <a:t>ogin_form</a:t>
+            </a:r>
+            <a:endParaRPr kumimoji="1" lang="en-US" altLang="ja-JP" sz="2400" dirty="0"/>
+          </a:p>
+          <a:p>
+            <a:pPr lvl="2"/>
+            <a:r>
+              <a:rPr lang="en-US" altLang="ja-JP" sz="2400" dirty="0" err="1"/>
+              <a:t>login_save</a:t>
+            </a:r>
+            <a:endParaRPr lang="en-US" altLang="ja-JP" sz="2400" dirty="0"/>
+          </a:p>
+          <a:p>
+            <a:pPr lvl="2"/>
+            <a:r>
+              <a:rPr lang="en-US" altLang="ja-JP" sz="2400" dirty="0" err="1"/>
+              <a:t>l</a:t>
+            </a:r>
+            <a:r>
+              <a:rPr kumimoji="1" lang="en-US" altLang="ja-JP" sz="2400" dirty="0" err="1"/>
+              <a:t>ogin_front</a:t>
+            </a:r>
+            <a:endParaRPr kumimoji="1" lang="ja-JP" altLang="en-US" sz="2400"/>
+          </a:p>
+        </p:txBody>
+      </p:sp>
+    </p:spTree>
+    <p:extLst>
+      <p:ext uri="{BB962C8B-B14F-4D97-AF65-F5344CB8AC3E}">
+        <p14:creationId xmlns:p14="http://schemas.microsoft.com/office/powerpoint/2010/main" val="2042043852"/>
+      </p:ext>
+    </p:extLst>
+  </p:cSld>
+  <p:clrMapOvr>
+    <a:masterClrMapping/>
+  </p:clrMapOvr>
+</p:sld>
+</file>
+
+<file path=ppt/slides/slide17.xml><?xml version="1.0" encoding="utf-8"?>
+<p:sld xmlns:a="http://schemas.openxmlformats.org/drawingml/2006/main" xmlns:r="http://schemas.openxmlformats.org/officeDocument/2006/relationships" xmlns:p="http://schemas.openxmlformats.org/presentationml/2006/main">
+  <p:cSld>
+    <p:bg>
+      <p:bgPr>
+        <a:solidFill>
+          <a:schemeClr val="bg1"/>
+        </a:solidFill>
+        <a:effectLst/>
+      </p:bgPr>
+    </p:bg>
+    <p:spTree>
+      <p:nvGrpSpPr>
+        <p:cNvPr id="1" name=""/>
+        <p:cNvGrpSpPr/>
+        <p:nvPr/>
+      </p:nvGrpSpPr>
+      <p:grpSpPr>
+        <a:xfrm>
+          <a:off x="0" y="0"/>
+          <a:ext cx="0" cy="0"/>
+          <a:chOff x="0" y="0"/>
+          <a:chExt cx="0" cy="0"/>
+        </a:xfrm>
+      </p:grpSpPr>
+      <p:sp useBgFill="1">
+        <p:nvSpPr>
+          <p:cNvPr id="8" name="Rectangle 7">
+            <a:extLst>
+              <a:ext uri="{FF2B5EF4-FFF2-40B4-BE49-F238E27FC236}">
+                <a16:creationId xmlns:a16="http://schemas.microsoft.com/office/drawing/2014/main" id="{1B15ED52-F352-441B-82BF-E0EA34836D08}"/>
+              </a:ext>
+              <a:ext uri="{C183D7F6-B498-43B3-948B-1728B52AA6E4}">
+                <adec:decorative xmlns:adec="http://schemas.microsoft.com/office/drawing/2017/decorative" val="1"/>
+              </a:ext>
+            </a:extLst>
+          </p:cNvPr>
+          <p:cNvSpPr>
+            <a:spLocks noGrp="1" noRot="1" noChangeAspect="1" noMove="1" noResize="1" noEditPoints="1" noAdjustHandles="1" noChangeArrowheads="1" noChangeShapeType="1" noTextEdit="1"/>
+          </p:cNvSpPr>
+          <p:nvPr>
+            <p:extLst>
+              <p:ext uri="{386F3935-93C4-4BCD-93E2-E3B085C9AB24}">
+                <p16:designElem xmlns:p16="http://schemas.microsoft.com/office/powerpoint/2015/main" val="1"/>
+              </p:ext>
+            </p:extLst>
+          </p:nvPr>
+        </p:nvSpPr>
+        <p:spPr>
+          <a:xfrm>
+            <a:off x="0" y="0"/>
+            <a:ext cx="12192000" cy="6858000"/>
+          </a:xfrm>
+          <a:prstGeom prst="rect">
+            <a:avLst/>
+          </a:prstGeom>
+          <a:ln w="12700" cap="flat" cmpd="sng" algn="ctr">
+            <a:noFill/>
+            <a:prstDash val="solid"/>
+            <a:miter lim="800000"/>
+          </a:ln>
+          <a:effectLst/>
+          <a:extLst>
+            <a:ext uri="{91240B29-F687-4F45-9708-019B960494DF}">
+              <a14:hiddenLine xmlns:a14="http://schemas.microsoft.com/office/drawing/2010/main" w="12700" cap="flat" cmpd="sng" algn="ctr">
+                <a:solidFill>
+                  <a:schemeClr val="accent1">
+                    <a:shade val="50000"/>
+                  </a:schemeClr>
+                </a:solidFill>
+                <a:prstDash val="solid"/>
+                <a:miter lim="800000"/>
+              </a14:hiddenLine>
+            </a:ext>
+          </a:extLst>
+        </p:spPr>
+        <p:style>
+          <a:lnRef idx="2">
+            <a:schemeClr val="accent1">
+              <a:shade val="50000"/>
+            </a:schemeClr>
+          </a:lnRef>
+          <a:fillRef idx="1">
+            <a:schemeClr val="accent1"/>
+          </a:fillRef>
+          <a:effectRef idx="0">
+            <a:schemeClr val="accent1"/>
+          </a:effectRef>
+          <a:fontRef idx="minor">
+            <a:schemeClr val="lt1"/>
+          </a:fontRef>
+        </p:style>
+        <p:txBody>
+          <a:bodyPr rtlCol="0" anchor="ctr"/>
+          <a:lstStyle/>
+          <a:p>
+            <a:pPr algn="ctr"/>
+            <a:endParaRPr lang="en-US"/>
+          </a:p>
+        </p:txBody>
+      </p:sp>
+      <p:sp>
+        <p:nvSpPr>
+          <p:cNvPr id="10" name="Rectangle 9">
+            <a:extLst>
+              <a:ext uri="{FF2B5EF4-FFF2-40B4-BE49-F238E27FC236}">
+                <a16:creationId xmlns:a16="http://schemas.microsoft.com/office/drawing/2014/main" id="{3B2E3793-BFE6-45A2-9B7B-E18844431C99}"/>
+              </a:ext>
+              <a:ext uri="{C183D7F6-B498-43B3-948B-1728B52AA6E4}">
+                <adec:decorative xmlns:adec="http://schemas.microsoft.com/office/drawing/2017/decorative" val="1"/>
+              </a:ext>
+            </a:extLst>
+          </p:cNvPr>
+          <p:cNvSpPr>
+            <a:spLocks noGrp="1" noRot="1" noChangeAspect="1" noMove="1" noResize="1" noEditPoints="1" noAdjustHandles="1" noChangeArrowheads="1" noChangeShapeType="1" noTextEdit="1"/>
+          </p:cNvSpPr>
+          <p:nvPr>
+            <p:extLst>
+              <p:ext uri="{386F3935-93C4-4BCD-93E2-E3B085C9AB24}">
+                <p16:designElem xmlns:p16="http://schemas.microsoft.com/office/powerpoint/2015/main" val="1"/>
+              </p:ext>
+            </p:extLst>
+          </p:nvPr>
+        </p:nvSpPr>
+        <p:spPr>
+          <a:xfrm flipH="1">
+            <a:off x="-1" y="-1"/>
+            <a:ext cx="12191998" cy="1590742"/>
+          </a:xfrm>
+          <a:prstGeom prst="rect">
+            <a:avLst/>
+          </a:prstGeom>
+          <a:gradFill>
+            <a:gsLst>
+              <a:gs pos="0">
+                <a:srgbClr val="000000"/>
+              </a:gs>
+              <a:gs pos="100000">
+                <a:schemeClr val="accent1">
+                  <a:lumMod val="75000"/>
+                </a:schemeClr>
+              </a:gs>
+            </a:gsLst>
+            <a:lin ang="8400000" scaled="0"/>
+          </a:gradFill>
+          <a:ln>
+            <a:noFill/>
+          </a:ln>
+        </p:spPr>
+        <p:style>
+          <a:lnRef idx="2">
+            <a:schemeClr val="accent1">
+              <a:shade val="50000"/>
+            </a:schemeClr>
+          </a:lnRef>
+          <a:fillRef idx="1">
+            <a:schemeClr val="accent1"/>
+          </a:fillRef>
+          <a:effectRef idx="0">
+            <a:schemeClr val="accent1"/>
+          </a:effectRef>
+          <a:fontRef idx="minor">
+            <a:schemeClr val="lt1"/>
+          </a:fontRef>
+        </p:style>
+        <p:txBody>
+          <a:bodyPr rtlCol="0" anchor="ctr"/>
+          <a:lstStyle/>
+          <a:p>
+            <a:pPr algn="ctr"/>
+            <a:endParaRPr lang="en-US"/>
+          </a:p>
+        </p:txBody>
+      </p:sp>
+      <p:sp>
+        <p:nvSpPr>
+          <p:cNvPr id="12" name="Rectangle 11">
+            <a:extLst>
+              <a:ext uri="{FF2B5EF4-FFF2-40B4-BE49-F238E27FC236}">
+                <a16:creationId xmlns:a16="http://schemas.microsoft.com/office/drawing/2014/main" id="{BC4C4868-CB8F-4AF9-9CDB-8108F2C19B67}"/>
+              </a:ext>
+              <a:ext uri="{C183D7F6-B498-43B3-948B-1728B52AA6E4}">
+                <adec:decorative xmlns:adec="http://schemas.microsoft.com/office/drawing/2017/decorative" val="1"/>
+              </a:ext>
+            </a:extLst>
+          </p:cNvPr>
+          <p:cNvSpPr>
+            <a:spLocks noGrp="1" noRot="1" noChangeAspect="1" noMove="1" noResize="1" noEditPoints="1" noAdjustHandles="1" noChangeArrowheads="1" noChangeShapeType="1" noTextEdit="1"/>
+          </p:cNvSpPr>
+          <p:nvPr>
+            <p:extLst>
+              <p:ext uri="{386F3935-93C4-4BCD-93E2-E3B085C9AB24}">
+                <p16:designElem xmlns:p16="http://schemas.microsoft.com/office/powerpoint/2015/main" val="1"/>
+              </p:ext>
+            </p:extLst>
+          </p:nvPr>
+        </p:nvSpPr>
+        <p:spPr>
+          <a:xfrm rot="10800000" flipH="1">
+            <a:off x="-3" y="0"/>
+            <a:ext cx="8115306" cy="1590742"/>
+          </a:xfrm>
+          <a:prstGeom prst="rect">
+            <a:avLst/>
+          </a:prstGeom>
+          <a:gradFill>
+            <a:gsLst>
+              <a:gs pos="20000">
+                <a:schemeClr val="accent1">
+                  <a:alpha val="0"/>
+                </a:schemeClr>
+              </a:gs>
+              <a:gs pos="100000">
+                <a:schemeClr val="accent1">
+                  <a:lumMod val="50000"/>
+                  <a:alpha val="55000"/>
+                </a:schemeClr>
+              </a:gs>
+            </a:gsLst>
+            <a:lin ang="13800000" scaled="0"/>
+          </a:gradFill>
+          <a:ln>
+            <a:noFill/>
+          </a:ln>
+        </p:spPr>
+        <p:style>
+          <a:lnRef idx="2">
+            <a:schemeClr val="accent1">
+              <a:shade val="50000"/>
+            </a:schemeClr>
+          </a:lnRef>
+          <a:fillRef idx="1">
+            <a:schemeClr val="accent1"/>
+          </a:fillRef>
+          <a:effectRef idx="0">
+            <a:schemeClr val="accent1"/>
+          </a:effectRef>
+          <a:fontRef idx="minor">
+            <a:schemeClr val="lt1"/>
+          </a:fontRef>
+        </p:style>
+        <p:txBody>
+          <a:bodyPr rtlCol="0" anchor="ctr"/>
+          <a:lstStyle/>
+          <a:p>
+            <a:pPr algn="ctr"/>
+            <a:endParaRPr lang="en-US"/>
+          </a:p>
+        </p:txBody>
+      </p:sp>
+      <p:sp>
+        <p:nvSpPr>
+          <p:cNvPr id="14" name="Rectangle 13">
+            <a:extLst>
+              <a:ext uri="{FF2B5EF4-FFF2-40B4-BE49-F238E27FC236}">
+                <a16:creationId xmlns:a16="http://schemas.microsoft.com/office/drawing/2014/main" id="{375E0459-6403-40CD-989D-56A4407CA12E}"/>
+              </a:ext>
+              <a:ext uri="{C183D7F6-B498-43B3-948B-1728B52AA6E4}">
+                <adec:decorative xmlns:adec="http://schemas.microsoft.com/office/drawing/2017/decorative" val="1"/>
+              </a:ext>
+            </a:extLst>
+          </p:cNvPr>
+          <p:cNvSpPr>
+            <a:spLocks noGrp="1" noRot="1" noChangeAspect="1" noMove="1" noResize="1" noEditPoints="1" noAdjustHandles="1" noChangeArrowheads="1" noChangeShapeType="1" noTextEdit="1"/>
+          </p:cNvSpPr>
+          <p:nvPr>
+            <p:extLst>
+              <p:ext uri="{386F3935-93C4-4BCD-93E2-E3B085C9AB24}">
+                <p16:designElem xmlns:p16="http://schemas.microsoft.com/office/powerpoint/2015/main" val="1"/>
+              </p:ext>
+            </p:extLst>
+          </p:nvPr>
+        </p:nvSpPr>
+        <p:spPr>
+          <a:xfrm flipH="1">
+            <a:off x="8115299" y="-1"/>
+            <a:ext cx="4076698" cy="1590742"/>
+          </a:xfrm>
+          <a:prstGeom prst="rect">
+            <a:avLst/>
+          </a:prstGeom>
+          <a:gradFill>
+            <a:gsLst>
+              <a:gs pos="0">
+                <a:schemeClr val="accent1">
+                  <a:alpha val="66000"/>
+                </a:schemeClr>
+              </a:gs>
+              <a:gs pos="100000">
+                <a:srgbClr val="000000">
+                  <a:alpha val="30000"/>
+                </a:srgbClr>
+              </a:gs>
+            </a:gsLst>
+            <a:lin ang="13200000" scaled="0"/>
+          </a:gradFill>
+          <a:ln>
+            <a:noFill/>
+          </a:ln>
+        </p:spPr>
+        <p:style>
+          <a:lnRef idx="2">
+            <a:schemeClr val="accent1">
+              <a:shade val="50000"/>
+            </a:schemeClr>
+          </a:lnRef>
+          <a:fillRef idx="1">
+            <a:schemeClr val="accent1"/>
+          </a:fillRef>
+          <a:effectRef idx="0">
+            <a:schemeClr val="accent1"/>
+          </a:effectRef>
+          <a:fontRef idx="minor">
+            <a:schemeClr val="lt1"/>
+          </a:fontRef>
+        </p:style>
+        <p:txBody>
+          <a:bodyPr rtlCol="0" anchor="ctr"/>
+          <a:lstStyle/>
+          <a:p>
+            <a:pPr algn="ctr"/>
+            <a:endParaRPr lang="en-US"/>
+          </a:p>
+        </p:txBody>
+      </p:sp>
+      <p:sp>
+        <p:nvSpPr>
+          <p:cNvPr id="16" name="Rectangle 15">
+            <a:extLst>
+              <a:ext uri="{FF2B5EF4-FFF2-40B4-BE49-F238E27FC236}">
+                <a16:creationId xmlns:a16="http://schemas.microsoft.com/office/drawing/2014/main" id="{53E5B1A8-3AC9-4BD1-9BBC-78CA94F2D1BA}"/>
+              </a:ext>
+              <a:ext uri="{C183D7F6-B498-43B3-948B-1728B52AA6E4}">
+                <adec:decorative xmlns:adec="http://schemas.microsoft.com/office/drawing/2017/decorative" val="1"/>
+              </a:ext>
+            </a:extLst>
+          </p:cNvPr>
+          <p:cNvSpPr>
+            <a:spLocks noGrp="1" noRot="1" noChangeAspect="1" noMove="1" noResize="1" noEditPoints="1" noAdjustHandles="1" noChangeArrowheads="1" noChangeShapeType="1" noTextEdit="1"/>
+          </p:cNvSpPr>
+          <p:nvPr>
+            <p:extLst>
+              <p:ext uri="{386F3935-93C4-4BCD-93E2-E3B085C9AB24}">
+                <p16:designElem xmlns:p16="http://schemas.microsoft.com/office/powerpoint/2015/main" val="1"/>
+              </p:ext>
+            </p:extLst>
+          </p:nvPr>
+        </p:nvSpPr>
+        <p:spPr>
+          <a:xfrm>
+            <a:off x="459350" y="-1"/>
+            <a:ext cx="11732646" cy="1597433"/>
+          </a:xfrm>
+          <a:prstGeom prst="rect">
+            <a:avLst/>
+          </a:prstGeom>
+          <a:gradFill>
+            <a:gsLst>
+              <a:gs pos="50000">
+                <a:srgbClr val="000000">
+                  <a:alpha val="0"/>
+                </a:srgbClr>
+              </a:gs>
+              <a:gs pos="99000">
+                <a:schemeClr val="accent1">
+                  <a:lumMod val="50000"/>
+                  <a:alpha val="52000"/>
+                </a:schemeClr>
+              </a:gs>
+            </a:gsLst>
+            <a:lin ang="16800000" scaled="0"/>
+          </a:gradFill>
+          <a:ln>
+            <a:noFill/>
+          </a:ln>
+        </p:spPr>
+        <p:style>
+          <a:lnRef idx="2">
+            <a:schemeClr val="accent1">
+              <a:shade val="50000"/>
+            </a:schemeClr>
+          </a:lnRef>
+          <a:fillRef idx="1">
+            <a:schemeClr val="accent1"/>
+          </a:fillRef>
+          <a:effectRef idx="0">
+            <a:schemeClr val="accent1"/>
+          </a:effectRef>
+          <a:fontRef idx="minor">
+            <a:schemeClr val="lt1"/>
+          </a:fontRef>
+        </p:style>
+        <p:txBody>
+          <a:bodyPr rtlCol="0" anchor="ctr"/>
+          <a:lstStyle/>
+          <a:p>
+            <a:pPr algn="ctr"/>
+            <a:endParaRPr lang="en-US"/>
+          </a:p>
+        </p:txBody>
+      </p:sp>
+      <p:sp>
+        <p:nvSpPr>
+          <p:cNvPr id="2" name="タイトル 1">
+            <a:extLst>
+              <a:ext uri="{FF2B5EF4-FFF2-40B4-BE49-F238E27FC236}">
                 <a16:creationId xmlns:a16="http://schemas.microsoft.com/office/drawing/2014/main" id="{419EFA49-F0FF-3C44-A537-08DB6103A8DD}"/>
               </a:ext>
             </a:extLst>
@@ -7951,7 +8493,7 @@
 </p:sld>
 </file>
 
-<file path=ppt/slides/slide17.xml><?xml version="1.0" encoding="utf-8"?>
+<file path=ppt/slides/slide18.xml><?xml version="1.0" encoding="utf-8"?>
 <p:sld xmlns:a="http://schemas.openxmlformats.org/drawingml/2006/main" xmlns:r="http://schemas.openxmlformats.org/officeDocument/2006/relationships" xmlns:p="http://schemas.openxmlformats.org/presentationml/2006/main">
   <p:cSld>
     <p:bg>
@@ -9177,7 +9719,13 @@
               <a:rPr lang="ja-JP" altLang="en-US" sz="2400"/>
               <a:t>環境によってはこれだけではチーム開発ができない場合があるかもしれませんが、僕はなんとかなっているので多分なんとかなります</a:t>
             </a:r>
-            <a:endParaRPr kumimoji="1" lang="ja-JP" altLang="en-US" sz="2400"/>
+            <a:endParaRPr lang="en-US" altLang="ja-JP" sz="2400" dirty="0"/>
+          </a:p>
+          <a:p>
+            <a:r>
+              <a:rPr kumimoji="1" lang="ja-JP" altLang="en-US" sz="2400"/>
+              <a:t>組織アカウントではなく個人アカウントのリポジトリで開発を行う前提です</a:t>
+            </a:r>
           </a:p>
         </p:txBody>
       </p:sp>
@@ -9551,16 +10099,29 @@
           <a:lstStyle/>
           <a:p>
             <a:r>
-              <a:rPr kumimoji="1" lang="en-US" altLang="ja-JP" sz="4000" kern="1200">
+              <a:rPr lang="en-US" altLang="ja-JP" sz="4000" dirty="0">
                 <a:solidFill>
-                  <a:srgbClr val="FFFFFF"/>
+                  <a:schemeClr val="bg1"/>
                 </a:solidFill>
-                <a:latin typeface="+mj-lt"/>
-                <a:ea typeface="+mj-ea"/>
-                <a:cs typeface="+mj-cs"/>
               </a:rPr>
-              <a:t>$ git clone xxx</a:t>
-            </a:r>
+              <a:t>Collaborator</a:t>
+            </a:r>
+            <a:r>
+              <a:rPr lang="ja-JP" altLang="en-US" sz="4000">
+                <a:solidFill>
+                  <a:schemeClr val="bg1"/>
+                </a:solidFill>
+              </a:rPr>
+              <a:t>にメンバーを追加</a:t>
+            </a:r>
+            <a:endParaRPr kumimoji="1" lang="en-US" altLang="ja-JP" sz="4000" kern="1200" dirty="0">
+              <a:solidFill>
+                <a:schemeClr val="bg1"/>
+              </a:solidFill>
+              <a:latin typeface="+mj-lt"/>
+              <a:ea typeface="+mj-ea"/>
+              <a:cs typeface="+mj-cs"/>
+            </a:endParaRPr>
           </a:p>
         </p:txBody>
       </p:sp>
@@ -9582,8 +10143,8 @@
         </p:nvSpPr>
         <p:spPr>
           <a:xfrm>
-            <a:off x="671914" y="2011315"/>
-            <a:ext cx="6892057" cy="873612"/>
+            <a:off x="767561" y="1842596"/>
+            <a:ext cx="4217229" cy="4767366"/>
           </a:xfrm>
         </p:spPr>
         <p:txBody>
@@ -9592,26 +10153,93 @@
           </a:bodyPr>
           <a:lstStyle/>
           <a:p>
-            <a:pPr marL="0" indent="0">
-              <a:buNone/>
-            </a:pPr>
             <a:r>
               <a:rPr kumimoji="1" lang="ja-JP" altLang="en-US" kern="1200">
                 <a:latin typeface="+mn-lt"/>
                 <a:ea typeface="+mn-ea"/>
                 <a:cs typeface="+mn-cs"/>
               </a:rPr>
-              <a:t>まずはリポジトリのダウンロードから！</a:t>
-            </a:r>
+              <a:t>知り合いと開発するときは</a:t>
+            </a:r>
+            <a:r>
+              <a:rPr kumimoji="1" lang="en-US" altLang="ja-JP" kern="1200" dirty="0">
+                <a:latin typeface="+mn-lt"/>
+                <a:ea typeface="+mn-ea"/>
+                <a:cs typeface="+mn-cs"/>
+              </a:rPr>
+              <a:t>Collaborator</a:t>
+            </a:r>
+          </a:p>
+          <a:p>
+            <a:r>
+              <a:rPr kumimoji="1" lang="ja-JP" altLang="en-US" kern="1200">
+                <a:latin typeface="+mn-lt"/>
+                <a:ea typeface="+mn-ea"/>
+                <a:cs typeface="+mn-cs"/>
+              </a:rPr>
+              <a:t>直接リポジトリに</a:t>
+            </a:r>
+            <a:r>
+              <a:rPr kumimoji="1" lang="en-US" altLang="ja-JP" kern="1200" dirty="0">
+                <a:latin typeface="+mn-lt"/>
+                <a:ea typeface="+mn-ea"/>
+                <a:cs typeface="+mn-cs"/>
+              </a:rPr>
+              <a:t>push</a:t>
+            </a:r>
+            <a:r>
+              <a:rPr kumimoji="1" lang="ja-JP" altLang="en-US" kern="1200">
+                <a:latin typeface="+mn-lt"/>
+                <a:ea typeface="+mn-ea"/>
+                <a:cs typeface="+mn-cs"/>
+              </a:rPr>
+              <a:t>やプルリクのマージなどができるようになる</a:t>
+            </a:r>
+            <a:endParaRPr kumimoji="1" lang="en-US" altLang="ja-JP" kern="1200" dirty="0">
+              <a:latin typeface="+mn-lt"/>
+              <a:ea typeface="+mn-ea"/>
+              <a:cs typeface="+mn-cs"/>
+            </a:endParaRPr>
+          </a:p>
+          <a:p>
+            <a:r>
+              <a:rPr lang="ja-JP" altLang="en-US"/>
+              <a:t>知らない人と開発するとき</a:t>
+            </a:r>
+            <a:r>
+              <a:rPr lang="en-US" altLang="ja-JP" dirty="0"/>
+              <a:t>(OSS</a:t>
+            </a:r>
+            <a:r>
+              <a:rPr lang="ja-JP" altLang="en-US"/>
+              <a:t>など</a:t>
+            </a:r>
+            <a:r>
+              <a:rPr lang="en-US" altLang="ja-JP" dirty="0"/>
+              <a:t>)</a:t>
+            </a:r>
+            <a:r>
+              <a:rPr lang="ja-JP" altLang="en-US"/>
+              <a:t>は</a:t>
+            </a:r>
+            <a:r>
+              <a:rPr lang="en-US" altLang="ja-JP" dirty="0"/>
+              <a:t>fork</a:t>
+            </a:r>
+            <a:endParaRPr kumimoji="1" lang="ja-JP" altLang="en-US" kern="1200">
+              <a:latin typeface="+mn-lt"/>
+              <a:ea typeface="+mn-ea"/>
+              <a:cs typeface="+mn-cs"/>
+            </a:endParaRPr>
           </a:p>
         </p:txBody>
       </p:sp>
       <p:pic>
         <p:nvPicPr>
-          <p:cNvPr id="5" name="図 4" descr="モニター画面に映る文字のスクリーンショット&#10;&#10;自動的に生成された説明">
-            <a:extLst>
-              <a:ext uri="{FF2B5EF4-FFF2-40B4-BE49-F238E27FC236}">
-                <a16:creationId xmlns:a16="http://schemas.microsoft.com/office/drawing/2014/main" id="{445A10E0-24D2-3548-9754-07DD4003CBD4}"/>
+          <p:cNvPr id="6" name="図 5" descr="携帯電話の画面のスクリーンショット&#10;&#10;自動的に生成された説明">
+            <a:extLst>
+              <a:ext uri="{FF2B5EF4-FFF2-40B4-BE49-F238E27FC236}">
+                <a16:creationId xmlns:a16="http://schemas.microsoft.com/office/drawing/2014/main" id="{26302850-2CA6-9B41-8BEA-B27F4D68334A}"/>
               </a:ext>
             </a:extLst>
           </p:cNvPr>
@@ -9628,8 +10256,8 @@
         </p:blipFill>
         <p:spPr>
           <a:xfrm>
-            <a:off x="2180756" y="3242855"/>
-            <a:ext cx="7830484" cy="3367107"/>
+            <a:off x="4984798" y="2439944"/>
+            <a:ext cx="7207202" cy="3572669"/>
           </a:xfrm>
           <a:prstGeom prst="rect">
             <a:avLst/>
@@ -9639,7 +10267,7 @@
     </p:spTree>
     <p:extLst>
       <p:ext uri="{BB962C8B-B14F-4D97-AF65-F5344CB8AC3E}">
-        <p14:creationId xmlns:p14="http://schemas.microsoft.com/office/powerpoint/2010/main" val="120989838"/>
+        <p14:creationId xmlns:p14="http://schemas.microsoft.com/office/powerpoint/2010/main" val="537289992"/>
       </p:ext>
     </p:extLst>
   </p:cSld>
@@ -9676,10 +10304,10 @@
       </p:grpSpPr>
       <p:sp useBgFill="1">
         <p:nvSpPr>
-          <p:cNvPr id="25" name="Rectangle 24">
-            <a:extLst>
-              <a:ext uri="{FF2B5EF4-FFF2-40B4-BE49-F238E27FC236}">
-                <a16:creationId xmlns:a16="http://schemas.microsoft.com/office/drawing/2014/main" id="{1B15ED52-F352-441B-82BF-E0EA34836D08}"/>
+          <p:cNvPr id="10" name="Rectangle 9">
+            <a:extLst>
+              <a:ext uri="{FF2B5EF4-FFF2-40B4-BE49-F238E27FC236}">
+                <a16:creationId xmlns:a16="http://schemas.microsoft.com/office/drawing/2014/main" id="{A8384FB5-9ADC-4DDC-881B-597D56F5B15D}"/>
               </a:ext>
               <a:ext uri="{C183D7F6-B498-43B3-948B-1728B52AA6E4}">
                 <adec:decorative xmlns:adec="http://schemas.microsoft.com/office/drawing/2017/decorative" val="1"/>
@@ -9752,10 +10380,10 @@
       </p:sp>
       <p:sp>
         <p:nvSpPr>
-          <p:cNvPr id="27" name="Rectangle 26">
-            <a:extLst>
-              <a:ext uri="{FF2B5EF4-FFF2-40B4-BE49-F238E27FC236}">
-                <a16:creationId xmlns:a16="http://schemas.microsoft.com/office/drawing/2014/main" id="{3B2E3793-BFE6-45A2-9B7B-E18844431C99}"/>
+          <p:cNvPr id="12" name="Rectangle 11">
+            <a:extLst>
+              <a:ext uri="{FF2B5EF4-FFF2-40B4-BE49-F238E27FC236}">
+                <a16:creationId xmlns:a16="http://schemas.microsoft.com/office/drawing/2014/main" id="{1199E1B1-A8C0-4FE8-A5A8-1CB41D69F857}"/>
               </a:ext>
               <a:ext uri="{C183D7F6-B498-43B3-948B-1728B52AA6E4}">
                 <adec:decorative xmlns:adec="http://schemas.microsoft.com/office/drawing/2017/decorative" val="1"/>
@@ -9774,9 +10402,9 @@
           </p:nvPr>
         </p:nvSpPr>
         <p:spPr>
-          <a:xfrm flipH="1">
-            <a:off x="-1" y="-1"/>
-            <a:ext cx="12191998" cy="1590742"/>
+          <a:xfrm rot="10800000" flipH="1">
+            <a:off x="2" y="0"/>
+            <a:ext cx="12191998" cy="1575955"/>
           </a:xfrm>
           <a:prstGeom prst="rect">
             <a:avLst/>
@@ -9784,11 +10412,90 @@
           <a:gradFill>
             <a:gsLst>
               <a:gs pos="0">
-                <a:srgbClr val="000000"/>
+                <a:srgbClr val="000000">
+                  <a:alpha val="96000"/>
+                </a:srgbClr>
               </a:gs>
               <a:gs pos="100000">
                 <a:schemeClr val="accent1">
                   <a:lumMod val="75000"/>
+                </a:schemeClr>
+              </a:gs>
+            </a:gsLst>
+            <a:lin ang="6000000" scaled="0"/>
+          </a:gradFill>
+          <a:ln>
+            <a:noFill/>
+          </a:ln>
+        </p:spPr>
+        <p:style>
+          <a:lnRef idx="2">
+            <a:schemeClr val="accent1">
+              <a:shade val="50000"/>
+            </a:schemeClr>
+          </a:lnRef>
+          <a:fillRef idx="1">
+            <a:schemeClr val="accent1"/>
+          </a:fillRef>
+          <a:effectRef idx="0">
+            <a:schemeClr val="accent1"/>
+          </a:effectRef>
+          <a:fontRef idx="minor">
+            <a:schemeClr val="lt1"/>
+          </a:fontRef>
+        </p:style>
+        <p:txBody>
+          <a:bodyPr rtlCol="0" anchor="ctr"/>
+          <a:lstStyle/>
+          <a:p>
+            <a:pPr algn="ctr"/>
+            <a:endParaRPr lang="en-US"/>
+          </a:p>
+        </p:txBody>
+      </p:sp>
+      <p:sp>
+        <p:nvSpPr>
+          <p:cNvPr id="14" name="Rectangle 13">
+            <a:extLst>
+              <a:ext uri="{FF2B5EF4-FFF2-40B4-BE49-F238E27FC236}">
+                <a16:creationId xmlns:a16="http://schemas.microsoft.com/office/drawing/2014/main" id="{84A8DE83-DE75-4B41-9DB4-A7EC0B0DEC0B}"/>
+              </a:ext>
+              <a:ext uri="{C183D7F6-B498-43B3-948B-1728B52AA6E4}">
+                <adec:decorative xmlns:adec="http://schemas.microsoft.com/office/drawing/2017/decorative" val="1"/>
+              </a:ext>
+            </a:extLst>
+          </p:cNvPr>
+          <p:cNvSpPr>
+            <a:spLocks noGrp="1" noRot="1" noChangeAspect="1" noMove="1" noResize="1" noEditPoints="1" noAdjustHandles="1" noChangeArrowheads="1" noChangeShapeType="1" noTextEdit="1"/>
+          </p:cNvSpPr>
+          <p:nvPr>
+            <p:extLst>
+              <p:ext uri="{386F3935-93C4-4BCD-93E2-E3B085C9AB24}">
+                <p16:designElem xmlns:p16="http://schemas.microsoft.com/office/powerpoint/2015/main" val="1"/>
+              </p:ext>
+            </p:extLst>
+          </p:nvPr>
+        </p:nvSpPr>
+        <p:spPr>
+          <a:xfrm>
+            <a:off x="0" y="0"/>
+            <a:ext cx="8128856" cy="1575461"/>
+          </a:xfrm>
+          <a:prstGeom prst="rect">
+            <a:avLst/>
+          </a:prstGeom>
+          <a:gradFill>
+            <a:gsLst>
+              <a:gs pos="0">
+                <a:schemeClr val="accent1">
+                  <a:alpha val="41000"/>
+                </a:schemeClr>
+              </a:gs>
+              <a:gs pos="74000">
+                <a:schemeClr val="accent1">
+                  <a:lumMod val="60000"/>
+                  <a:lumOff val="40000"/>
+                  <a:alpha val="0"/>
                 </a:schemeClr>
               </a:gs>
             </a:gsLst>
@@ -9825,10 +10532,10 @@
       </p:sp>
       <p:sp>
         <p:nvSpPr>
-          <p:cNvPr id="29" name="Rectangle 28">
-            <a:extLst>
-              <a:ext uri="{FF2B5EF4-FFF2-40B4-BE49-F238E27FC236}">
-                <a16:creationId xmlns:a16="http://schemas.microsoft.com/office/drawing/2014/main" id="{BC4C4868-CB8F-4AF9-9CDB-8108F2C19B67}"/>
+          <p:cNvPr id="16" name="Rectangle 15">
+            <a:extLst>
+              <a:ext uri="{FF2B5EF4-FFF2-40B4-BE49-F238E27FC236}">
+                <a16:creationId xmlns:a16="http://schemas.microsoft.com/office/drawing/2014/main" id="{A7009A0A-BEF5-4EAC-AF15-E4F9F002E239}"/>
               </a:ext>
               <a:ext uri="{C183D7F6-B498-43B3-948B-1728B52AA6E4}">
                 <adec:decorative xmlns:adec="http://schemas.microsoft.com/office/drawing/2017/decorative" val="1"/>
@@ -9847,28 +10554,27 @@
           </p:nvPr>
         </p:nvSpPr>
         <p:spPr>
-          <a:xfrm rot="10800000" flipH="1">
-            <a:off x="-3" y="0"/>
-            <a:ext cx="8115306" cy="1590742"/>
+          <a:xfrm flipH="1">
+            <a:off x="-3" y="-1"/>
+            <a:ext cx="12192002" cy="1574311"/>
           </a:xfrm>
           <a:prstGeom prst="rect">
             <a:avLst/>
           </a:prstGeom>
           <a:gradFill>
             <a:gsLst>
-              <a:gs pos="20000">
+              <a:gs pos="0">
+                <a:srgbClr val="000000">
+                  <a:alpha val="63000"/>
+                </a:srgbClr>
+              </a:gs>
+              <a:gs pos="78000">
                 <a:schemeClr val="accent1">
-                  <a:alpha val="0"/>
-                </a:schemeClr>
-              </a:gs>
-              <a:gs pos="100000">
-                <a:schemeClr val="accent1">
-                  <a:lumMod val="50000"/>
-                  <a:alpha val="55000"/>
+                  <a:alpha val="15000"/>
                 </a:schemeClr>
               </a:gs>
             </a:gsLst>
-            <a:lin ang="13800000" scaled="0"/>
+            <a:lin ang="15600000" scaled="0"/>
           </a:gradFill>
           <a:ln>
             <a:noFill/>
@@ -9901,287 +10607,122 @@
       </p:sp>
       <p:sp>
         <p:nvSpPr>
-          <p:cNvPr id="31" name="Rectangle 30">
-            <a:extLst>
-              <a:ext uri="{FF2B5EF4-FFF2-40B4-BE49-F238E27FC236}">
-                <a16:creationId xmlns:a16="http://schemas.microsoft.com/office/drawing/2014/main" id="{375E0459-6403-40CD-989D-56A4407CA12E}"/>
-              </a:ext>
-              <a:ext uri="{C183D7F6-B498-43B3-948B-1728B52AA6E4}">
-                <adec:decorative xmlns:adec="http://schemas.microsoft.com/office/drawing/2017/decorative" val="1"/>
-              </a:ext>
-            </a:extLst>
-          </p:cNvPr>
-          <p:cNvSpPr>
-            <a:spLocks noGrp="1" noRot="1" noChangeAspect="1" noMove="1" noResize="1" noEditPoints="1" noAdjustHandles="1" noChangeArrowheads="1" noChangeShapeType="1" noTextEdit="1"/>
-          </p:cNvSpPr>
-          <p:nvPr>
-            <p:extLst>
-              <p:ext uri="{386F3935-93C4-4BCD-93E2-E3B085C9AB24}">
-                <p16:designElem xmlns:p16="http://schemas.microsoft.com/office/powerpoint/2015/main" val="1"/>
-              </p:ext>
-            </p:extLst>
-          </p:nvPr>
-        </p:nvSpPr>
-        <p:spPr>
-          <a:xfrm flipH="1">
-            <a:off x="8115299" y="-1"/>
-            <a:ext cx="4076698" cy="1590742"/>
+          <p:cNvPr id="2" name="タイトル 1">
+            <a:extLst>
+              <a:ext uri="{FF2B5EF4-FFF2-40B4-BE49-F238E27FC236}">
+                <a16:creationId xmlns:a16="http://schemas.microsoft.com/office/drawing/2014/main" id="{40ED2B70-5A32-1A4E-895C-EDEA07D06C09}"/>
+              </a:ext>
+            </a:extLst>
+          </p:cNvPr>
+          <p:cNvSpPr>
+            <a:spLocks noGrp="1"/>
+          </p:cNvSpPr>
+          <p:nvPr>
+            <p:ph type="title"/>
+          </p:nvPr>
+        </p:nvSpPr>
+        <p:spPr>
+          <a:xfrm>
+            <a:off x="699713" y="248038"/>
+            <a:ext cx="7063721" cy="1159200"/>
+          </a:xfrm>
+        </p:spPr>
+        <p:txBody>
+          <a:bodyPr vert="horz" lIns="91440" tIns="45720" rIns="91440" bIns="45720" rtlCol="0" anchor="ctr">
+            <a:normAutofit/>
+          </a:bodyPr>
+          <a:lstStyle/>
+          <a:p>
+            <a:r>
+              <a:rPr kumimoji="1" lang="en-US" altLang="ja-JP" sz="4000" kern="1200">
+                <a:solidFill>
+                  <a:srgbClr val="FFFFFF"/>
+                </a:solidFill>
+                <a:latin typeface="+mj-lt"/>
+                <a:ea typeface="+mj-ea"/>
+                <a:cs typeface="+mj-cs"/>
+              </a:rPr>
+              <a:t>$ git clone xxx</a:t>
+            </a:r>
+          </a:p>
+        </p:txBody>
+      </p:sp>
+      <p:sp>
+        <p:nvSpPr>
+          <p:cNvPr id="3" name="コンテンツ プレースホルダー 2">
+            <a:extLst>
+              <a:ext uri="{FF2B5EF4-FFF2-40B4-BE49-F238E27FC236}">
+                <a16:creationId xmlns:a16="http://schemas.microsoft.com/office/drawing/2014/main" id="{D6C23FCF-B919-F749-9F72-3E5D4876663D}"/>
+              </a:ext>
+            </a:extLst>
+          </p:cNvPr>
+          <p:cNvSpPr>
+            <a:spLocks noGrp="1"/>
+          </p:cNvSpPr>
+          <p:nvPr>
+            <p:ph idx="1"/>
+          </p:nvPr>
+        </p:nvSpPr>
+        <p:spPr>
+          <a:xfrm>
+            <a:off x="671914" y="2011315"/>
+            <a:ext cx="6892057" cy="873612"/>
+          </a:xfrm>
+        </p:spPr>
+        <p:txBody>
+          <a:bodyPr vert="horz" lIns="91440" tIns="45720" rIns="91440" bIns="45720" rtlCol="0" anchor="ctr">
+            <a:normAutofit/>
+          </a:bodyPr>
+          <a:lstStyle/>
+          <a:p>
+            <a:pPr marL="0" indent="0">
+              <a:buNone/>
+            </a:pPr>
+            <a:r>
+              <a:rPr kumimoji="1" lang="ja-JP" altLang="en-US" kern="1200">
+                <a:latin typeface="+mn-lt"/>
+                <a:ea typeface="+mn-ea"/>
+                <a:cs typeface="+mn-cs"/>
+              </a:rPr>
+              <a:t>まずはリポジトリのダウンロードから！</a:t>
+            </a:r>
+          </a:p>
+        </p:txBody>
+      </p:sp>
+      <p:pic>
+        <p:nvPicPr>
+          <p:cNvPr id="5" name="図 4" descr="モニター画面に映る文字のスクリーンショット&#10;&#10;自動的に生成された説明">
+            <a:extLst>
+              <a:ext uri="{FF2B5EF4-FFF2-40B4-BE49-F238E27FC236}">
+                <a16:creationId xmlns:a16="http://schemas.microsoft.com/office/drawing/2014/main" id="{445A10E0-24D2-3548-9754-07DD4003CBD4}"/>
+              </a:ext>
+            </a:extLst>
+          </p:cNvPr>
+          <p:cNvPicPr>
+            <a:picLocks noChangeAspect="1"/>
+          </p:cNvPicPr>
+          <p:nvPr/>
+        </p:nvPicPr>
+        <p:blipFill>
+          <a:blip r:embed="rId2"/>
+          <a:stretch>
+            <a:fillRect/>
+          </a:stretch>
+        </p:blipFill>
+        <p:spPr>
+          <a:xfrm>
+            <a:off x="2180756" y="3242855"/>
+            <a:ext cx="7830484" cy="3367107"/>
           </a:xfrm>
           <a:prstGeom prst="rect">
             <a:avLst/>
           </a:prstGeom>
-          <a:gradFill>
-            <a:gsLst>
-              <a:gs pos="0">
-                <a:schemeClr val="accent1">
-                  <a:alpha val="66000"/>
-                </a:schemeClr>
-              </a:gs>
-              <a:gs pos="100000">
-                <a:srgbClr val="000000">
-                  <a:alpha val="30000"/>
-                </a:srgbClr>
-              </a:gs>
-            </a:gsLst>
-            <a:lin ang="13200000" scaled="0"/>
-          </a:gradFill>
-          <a:ln>
-            <a:noFill/>
-          </a:ln>
-        </p:spPr>
-        <p:style>
-          <a:lnRef idx="2">
-            <a:schemeClr val="accent1">
-              <a:shade val="50000"/>
-            </a:schemeClr>
-          </a:lnRef>
-          <a:fillRef idx="1">
-            <a:schemeClr val="accent1"/>
-          </a:fillRef>
-          <a:effectRef idx="0">
-            <a:schemeClr val="accent1"/>
-          </a:effectRef>
-          <a:fontRef idx="minor">
-            <a:schemeClr val="lt1"/>
-          </a:fontRef>
-        </p:style>
-        <p:txBody>
-          <a:bodyPr rtlCol="0" anchor="ctr"/>
-          <a:lstStyle/>
-          <a:p>
-            <a:pPr algn="ctr"/>
-            <a:endParaRPr lang="en-US"/>
-          </a:p>
-        </p:txBody>
-      </p:sp>
-      <p:sp>
-        <p:nvSpPr>
-          <p:cNvPr id="33" name="Rectangle 32">
-            <a:extLst>
-              <a:ext uri="{FF2B5EF4-FFF2-40B4-BE49-F238E27FC236}">
-                <a16:creationId xmlns:a16="http://schemas.microsoft.com/office/drawing/2014/main" id="{53E5B1A8-3AC9-4BD1-9BBC-78CA94F2D1BA}"/>
-              </a:ext>
-              <a:ext uri="{C183D7F6-B498-43B3-948B-1728B52AA6E4}">
-                <adec:decorative xmlns:adec="http://schemas.microsoft.com/office/drawing/2017/decorative" val="1"/>
-              </a:ext>
-            </a:extLst>
-          </p:cNvPr>
-          <p:cNvSpPr>
-            <a:spLocks noGrp="1" noRot="1" noChangeAspect="1" noMove="1" noResize="1" noEditPoints="1" noAdjustHandles="1" noChangeArrowheads="1" noChangeShapeType="1" noTextEdit="1"/>
-          </p:cNvSpPr>
-          <p:nvPr>
-            <p:extLst>
-              <p:ext uri="{386F3935-93C4-4BCD-93E2-E3B085C9AB24}">
-                <p16:designElem xmlns:p16="http://schemas.microsoft.com/office/powerpoint/2015/main" val="1"/>
-              </p:ext>
-            </p:extLst>
-          </p:nvPr>
-        </p:nvSpPr>
-        <p:spPr>
-          <a:xfrm>
-            <a:off x="459350" y="-1"/>
-            <a:ext cx="11732646" cy="1597433"/>
-          </a:xfrm>
-          <a:prstGeom prst="rect">
-            <a:avLst/>
-          </a:prstGeom>
-          <a:gradFill>
-            <a:gsLst>
-              <a:gs pos="50000">
-                <a:srgbClr val="000000">
-                  <a:alpha val="0"/>
-                </a:srgbClr>
-              </a:gs>
-              <a:gs pos="99000">
-                <a:schemeClr val="accent1">
-                  <a:lumMod val="50000"/>
-                  <a:alpha val="52000"/>
-                </a:schemeClr>
-              </a:gs>
-            </a:gsLst>
-            <a:lin ang="16800000" scaled="0"/>
-          </a:gradFill>
-          <a:ln>
-            <a:noFill/>
-          </a:ln>
-        </p:spPr>
-        <p:style>
-          <a:lnRef idx="2">
-            <a:schemeClr val="accent1">
-              <a:shade val="50000"/>
-            </a:schemeClr>
-          </a:lnRef>
-          <a:fillRef idx="1">
-            <a:schemeClr val="accent1"/>
-          </a:fillRef>
-          <a:effectRef idx="0">
-            <a:schemeClr val="accent1"/>
-          </a:effectRef>
-          <a:fontRef idx="minor">
-            <a:schemeClr val="lt1"/>
-          </a:fontRef>
-        </p:style>
-        <p:txBody>
-          <a:bodyPr rtlCol="0" anchor="ctr"/>
-          <a:lstStyle/>
-          <a:p>
-            <a:pPr algn="ctr"/>
-            <a:endParaRPr lang="en-US"/>
-          </a:p>
-        </p:txBody>
-      </p:sp>
-      <p:sp>
-        <p:nvSpPr>
-          <p:cNvPr id="2" name="タイトル 1">
-            <a:extLst>
-              <a:ext uri="{FF2B5EF4-FFF2-40B4-BE49-F238E27FC236}">
-                <a16:creationId xmlns:a16="http://schemas.microsoft.com/office/drawing/2014/main" id="{DDF3682C-EF2C-7D4C-8310-EC41ECC444D2}"/>
-              </a:ext>
-            </a:extLst>
-          </p:cNvPr>
-          <p:cNvSpPr>
-            <a:spLocks noGrp="1"/>
-          </p:cNvSpPr>
-          <p:nvPr>
-            <p:ph type="title"/>
-          </p:nvPr>
-        </p:nvSpPr>
-        <p:spPr>
-          <a:xfrm>
-            <a:off x="1371599" y="294538"/>
-            <a:ext cx="9895951" cy="1033669"/>
-          </a:xfrm>
-        </p:spPr>
-        <p:txBody>
-          <a:bodyPr>
-            <a:normAutofit/>
-          </a:bodyPr>
-          <a:lstStyle/>
-          <a:p>
-            <a:r>
-              <a:rPr lang="en-US" altLang="ja-JP" sz="4000">
-                <a:solidFill>
-                  <a:srgbClr val="FFFFFF"/>
-                </a:solidFill>
-              </a:rPr>
-              <a:t>$ git branch xxx</a:t>
-            </a:r>
-            <a:endParaRPr kumimoji="1" lang="ja-JP" altLang="en-US" sz="4000">
-              <a:solidFill>
-                <a:srgbClr val="FFFFFF"/>
-              </a:solidFill>
-            </a:endParaRPr>
-          </a:p>
-        </p:txBody>
-      </p:sp>
-      <p:sp>
-        <p:nvSpPr>
-          <p:cNvPr id="3" name="コンテンツ プレースホルダー 2">
-            <a:extLst>
-              <a:ext uri="{FF2B5EF4-FFF2-40B4-BE49-F238E27FC236}">
-                <a16:creationId xmlns:a16="http://schemas.microsoft.com/office/drawing/2014/main" id="{E05ADDD9-C2B7-EA45-B14F-665F784F1377}"/>
-              </a:ext>
-            </a:extLst>
-          </p:cNvPr>
-          <p:cNvSpPr>
-            <a:spLocks noGrp="1"/>
-          </p:cNvSpPr>
-          <p:nvPr>
-            <p:ph idx="1"/>
-          </p:nvPr>
-        </p:nvSpPr>
-        <p:spPr>
-          <a:xfrm>
-            <a:off x="1371599" y="2318197"/>
-            <a:ext cx="9724031" cy="3683358"/>
-          </a:xfrm>
-        </p:spPr>
-        <p:txBody>
-          <a:bodyPr anchor="ctr">
-            <a:normAutofit/>
-          </a:bodyPr>
-          <a:lstStyle/>
-          <a:p>
-            <a:r>
-              <a:rPr lang="en-US" altLang="ja-JP" dirty="0"/>
-              <a:t>master(main)</a:t>
-            </a:r>
-            <a:r>
-              <a:rPr lang="ja-JP" altLang="en-US"/>
-              <a:t>ブランチはいつデプロイしても大丈夫なブランチであると認識すべき</a:t>
-            </a:r>
-            <a:endParaRPr lang="en-US" altLang="ja-JP" dirty="0"/>
-          </a:p>
-          <a:p>
-            <a:r>
-              <a:rPr lang="en-US" altLang="ja-JP" dirty="0"/>
-              <a:t>master</a:t>
-            </a:r>
-            <a:r>
-              <a:rPr lang="ja-JP" altLang="en-US"/>
-              <a:t>ブランチを直接変更するのはまずい</a:t>
-            </a:r>
-            <a:endParaRPr lang="en-US" altLang="ja-JP" dirty="0"/>
-          </a:p>
-          <a:p>
-            <a:r>
-              <a:rPr lang="en-US" altLang="ja-JP" dirty="0"/>
-              <a:t>master</a:t>
-            </a:r>
-            <a:r>
-              <a:rPr lang="ja-JP" altLang="en-US"/>
-              <a:t>から別のブランチを切る必要がある</a:t>
-            </a:r>
-            <a:endParaRPr lang="en-US" altLang="ja-JP" dirty="0"/>
-          </a:p>
-          <a:p>
-            <a:r>
-              <a:rPr lang="ja-JP" altLang="en-US"/>
-              <a:t>ちなみに</a:t>
-            </a:r>
-            <a:r>
-              <a:rPr lang="en-US" altLang="ja-JP" dirty="0"/>
-              <a:t>$ git branch</a:t>
-            </a:r>
-            <a:r>
-              <a:rPr lang="ja-JP" altLang="en-US"/>
-              <a:t>でローカルブランチ一覧表示</a:t>
-            </a:r>
-            <a:endParaRPr lang="en-US" altLang="ja-JP" dirty="0"/>
-          </a:p>
-          <a:p>
-            <a:r>
-              <a:rPr lang="ja-JP" altLang="en-US"/>
-              <a:t>タスクに番号が振られていると結びつけることができてわかりやすい</a:t>
-            </a:r>
-            <a:endParaRPr lang="en-US" altLang="ja-JP" dirty="0"/>
-          </a:p>
-        </p:txBody>
-      </p:sp>
+        </p:spPr>
+      </p:pic>
     </p:spTree>
     <p:extLst>
       <p:ext uri="{BB962C8B-B14F-4D97-AF65-F5344CB8AC3E}">
-        <p14:creationId xmlns:p14="http://schemas.microsoft.com/office/powerpoint/2010/main" val="2932538693"/>
+        <p14:creationId xmlns:p14="http://schemas.microsoft.com/office/powerpoint/2010/main" val="120989838"/>
       </p:ext>
     </p:extLst>
   </p:cSld>
@@ -10621,12 +11162,12 @@
           <a:lstStyle/>
           <a:p>
             <a:r>
-              <a:rPr lang="en-US" altLang="ja-JP" sz="4000" dirty="0">
+              <a:rPr lang="en-US" altLang="ja-JP" sz="4000">
                 <a:solidFill>
                   <a:srgbClr val="FFFFFF"/>
                 </a:solidFill>
               </a:rPr>
-              <a:t>$ git checkout xxx</a:t>
+              <a:t>$ git branch xxx</a:t>
             </a:r>
             <a:endParaRPr kumimoji="1" lang="ja-JP" altLang="en-US" sz="4000">
               <a:solidFill>
@@ -10665,16 +11206,65 @@
           <a:lstStyle/>
           <a:p>
             <a:r>
+              <a:rPr lang="en-US" altLang="ja-JP" dirty="0"/>
+              <a:t>master(main)</a:t>
+            </a:r>
+            <a:r>
               <a:rPr lang="ja-JP" altLang="en-US"/>
-              <a:t>新しいブランチを生成しても移動はできていないのでこのコマンドでそのブランチに切り替え</a:t>
-            </a:r>
+              <a:t>ブランチはいつデプロイしても大丈夫なブランチであると認識すべき</a:t>
+            </a:r>
+            <a:endParaRPr lang="en-US" altLang="ja-JP" dirty="0"/>
+          </a:p>
+          <a:p>
+            <a:r>
+              <a:rPr lang="en-US" altLang="ja-JP" dirty="0"/>
+              <a:t>master</a:t>
+            </a:r>
+            <a:r>
+              <a:rPr lang="ja-JP" altLang="en-US"/>
+              <a:t>ブランチを直接変更するのはまずい</a:t>
+            </a:r>
+            <a:endParaRPr lang="en-US" altLang="ja-JP" dirty="0"/>
+          </a:p>
+          <a:p>
+            <a:r>
+              <a:rPr lang="en-US" altLang="ja-JP" dirty="0"/>
+              <a:t>master</a:t>
+            </a:r>
+            <a:r>
+              <a:rPr lang="ja-JP" altLang="en-US"/>
+              <a:t>から別のブランチを切る必要がある</a:t>
+            </a:r>
+            <a:endParaRPr lang="en-US" altLang="ja-JP" dirty="0"/>
+          </a:p>
+          <a:p>
+            <a:r>
+              <a:rPr lang="ja-JP" altLang="en-US"/>
+              <a:t>ちなみに</a:t>
+            </a:r>
+            <a:r>
+              <a:rPr lang="en-US" altLang="ja-JP" dirty="0"/>
+              <a:t>$ git branch</a:t>
+            </a:r>
+            <a:r>
+              <a:rPr lang="ja-JP" altLang="en-US"/>
+              <a:t>でローカルブランチ一覧表示</a:t>
+            </a:r>
+            <a:endParaRPr lang="en-US" altLang="ja-JP" dirty="0"/>
+          </a:p>
+          <a:p>
+            <a:r>
+              <a:rPr lang="ja-JP" altLang="en-US"/>
+              <a:t>タスクに番号が振られていると結びつけることができてわかりやすい</a:t>
+            </a:r>
+            <a:endParaRPr lang="en-US" altLang="ja-JP" dirty="0"/>
           </a:p>
         </p:txBody>
       </p:sp>
     </p:spTree>
     <p:extLst>
       <p:ext uri="{BB962C8B-B14F-4D97-AF65-F5344CB8AC3E}">
-        <p14:creationId xmlns:p14="http://schemas.microsoft.com/office/powerpoint/2010/main" val="3826747762"/>
+        <p14:creationId xmlns:p14="http://schemas.microsoft.com/office/powerpoint/2010/main" val="2932538693"/>
       </p:ext>
     </p:extLst>
   </p:cSld>
@@ -10711,7 +11301,7 @@
       </p:grpSpPr>
       <p:sp useBgFill="1">
         <p:nvSpPr>
-          <p:cNvPr id="8" name="Rectangle 7">
+          <p:cNvPr id="25" name="Rectangle 24">
             <a:extLst>
               <a:ext uri="{FF2B5EF4-FFF2-40B4-BE49-F238E27FC236}">
                 <a16:creationId xmlns:a16="http://schemas.microsoft.com/office/drawing/2014/main" id="{1B15ED52-F352-441B-82BF-E0EA34836D08}"/>
@@ -10787,7 +11377,7 @@
       </p:sp>
       <p:sp>
         <p:nvSpPr>
-          <p:cNvPr id="10" name="Rectangle 9">
+          <p:cNvPr id="27" name="Rectangle 26">
             <a:extLst>
               <a:ext uri="{FF2B5EF4-FFF2-40B4-BE49-F238E27FC236}">
                 <a16:creationId xmlns:a16="http://schemas.microsoft.com/office/drawing/2014/main" id="{3B2E3793-BFE6-45A2-9B7B-E18844431C99}"/>
@@ -10860,7 +11450,7 @@
       </p:sp>
       <p:sp>
         <p:nvSpPr>
-          <p:cNvPr id="12" name="Rectangle 11">
+          <p:cNvPr id="29" name="Rectangle 28">
             <a:extLst>
               <a:ext uri="{FF2B5EF4-FFF2-40B4-BE49-F238E27FC236}">
                 <a16:creationId xmlns:a16="http://schemas.microsoft.com/office/drawing/2014/main" id="{BC4C4868-CB8F-4AF9-9CDB-8108F2C19B67}"/>
@@ -10936,7 +11526,7 @@
       </p:sp>
       <p:sp>
         <p:nvSpPr>
-          <p:cNvPr id="14" name="Rectangle 13">
+          <p:cNvPr id="31" name="Rectangle 30">
             <a:extLst>
               <a:ext uri="{FF2B5EF4-FFF2-40B4-BE49-F238E27FC236}">
                 <a16:creationId xmlns:a16="http://schemas.microsoft.com/office/drawing/2014/main" id="{375E0459-6403-40CD-989D-56A4407CA12E}"/>
@@ -11011,7 +11601,7 @@
       </p:sp>
       <p:sp>
         <p:nvSpPr>
-          <p:cNvPr id="16" name="Rectangle 15">
+          <p:cNvPr id="33" name="Rectangle 32">
             <a:extLst>
               <a:ext uri="{FF2B5EF4-FFF2-40B4-BE49-F238E27FC236}">
                 <a16:creationId xmlns:a16="http://schemas.microsoft.com/office/drawing/2014/main" id="{53E5B1A8-3AC9-4BD1-9BBC-78CA94F2D1BA}"/>
@@ -11090,7 +11680,7 @@
           <p:cNvPr id="2" name="タイトル 1">
             <a:extLst>
               <a:ext uri="{FF2B5EF4-FFF2-40B4-BE49-F238E27FC236}">
-                <a16:creationId xmlns:a16="http://schemas.microsoft.com/office/drawing/2014/main" id="{487436CB-C690-9343-BBC7-49AE71780E40}"/>
+                <a16:creationId xmlns:a16="http://schemas.microsoft.com/office/drawing/2014/main" id="{DDF3682C-EF2C-7D4C-8310-EC41ECC444D2}"/>
               </a:ext>
             </a:extLst>
           </p:cNvPr>
@@ -11114,12 +11704,12 @@
           <a:lstStyle/>
           <a:p>
             <a:r>
-              <a:rPr lang="en-US" altLang="ja-JP" sz="4000">
+              <a:rPr lang="en-US" altLang="ja-JP" sz="4000" dirty="0">
                 <a:solidFill>
                   <a:srgbClr val="FFFFFF"/>
                 </a:solidFill>
               </a:rPr>
-              <a:t>$ git diff</a:t>
+              <a:t>$ git checkout xxx</a:t>
             </a:r>
             <a:endParaRPr kumimoji="1" lang="ja-JP" altLang="en-US" sz="4000">
               <a:solidFill>
@@ -11134,7 +11724,7 @@
           <p:cNvPr id="3" name="コンテンツ プレースホルダー 2">
             <a:extLst>
               <a:ext uri="{FF2B5EF4-FFF2-40B4-BE49-F238E27FC236}">
-                <a16:creationId xmlns:a16="http://schemas.microsoft.com/office/drawing/2014/main" id="{1A7D2660-6AA8-594A-8632-7D407033F89E}"/>
+                <a16:creationId xmlns:a16="http://schemas.microsoft.com/office/drawing/2014/main" id="{E05ADDD9-C2B7-EA45-B14F-665F784F1377}"/>
               </a:ext>
             </a:extLst>
           </p:cNvPr>
@@ -11158,130 +11748,16 @@
           <a:lstStyle/>
           <a:p>
             <a:r>
-              <a:rPr kumimoji="1" lang="ja-JP" altLang="en-US" sz="2400"/>
-              <a:t>一つ前のコミットからの変更ファイル、変更箇所を表示</a:t>
-            </a:r>
-            <a:endParaRPr kumimoji="1" lang="en-US" altLang="ja-JP" sz="2400" dirty="0"/>
-          </a:p>
-          <a:p>
-            <a:r>
-              <a:rPr lang="en-US" altLang="ja-JP" sz="2400" dirty="0"/>
-              <a:t>$ git diff </a:t>
-            </a:r>
-            <a:r>
-              <a:rPr lang="ja-JP" altLang="en-US" sz="2400"/>
-              <a:t>ブランチ名</a:t>
-            </a:r>
-            <a:r>
-              <a:rPr lang="en-US" altLang="ja-JP" sz="2400" dirty="0"/>
-              <a:t>(</a:t>
-            </a:r>
-            <a:r>
-              <a:rPr lang="ja-JP" altLang="en-US" sz="2400"/>
-              <a:t>コミットの番号</a:t>
-            </a:r>
-            <a:r>
-              <a:rPr lang="en-US" altLang="ja-JP" sz="2400" dirty="0"/>
-              <a:t>)..</a:t>
-            </a:r>
-            <a:r>
-              <a:rPr lang="ja-JP" altLang="en-US" sz="2400"/>
-              <a:t>ブランチ名</a:t>
-            </a:r>
-            <a:r>
-              <a:rPr lang="en-US" altLang="ja-JP" sz="2400" dirty="0"/>
-              <a:t>(</a:t>
-            </a:r>
-            <a:r>
-              <a:rPr lang="ja-JP" altLang="en-US" sz="2400"/>
-              <a:t>コミットの番号</a:t>
-            </a:r>
-            <a:r>
-              <a:rPr lang="en-US" altLang="ja-JP" sz="2400" dirty="0"/>
-              <a:t>)</a:t>
-            </a:r>
-          </a:p>
-          <a:p>
-            <a:r>
-              <a:rPr lang="en-US" altLang="ja-JP" sz="2400" dirty="0"/>
-              <a:t>GitHub</a:t>
-            </a:r>
-            <a:r>
-              <a:rPr lang="ja-JP" altLang="en-US" sz="2400"/>
-              <a:t>上で比較をする時は</a:t>
-            </a:r>
-            <a:r>
-              <a:rPr lang="en-US" altLang="ja-JP" sz="2400" dirty="0"/>
-              <a:t>https://</a:t>
-            </a:r>
-            <a:r>
-              <a:rPr lang="en-US" altLang="ja-JP" sz="2400" dirty="0" err="1"/>
-              <a:t>github.com</a:t>
-            </a:r>
-            <a:r>
-              <a:rPr lang="en-US" altLang="ja-JP" sz="2400" dirty="0"/>
-              <a:t>/</a:t>
-            </a:r>
-            <a:r>
-              <a:rPr lang="en-US" altLang="ja-JP" sz="2400" dirty="0" err="1"/>
-              <a:t>user_id</a:t>
-            </a:r>
-            <a:r>
-              <a:rPr lang="en-US" altLang="ja-JP" sz="2400" dirty="0"/>
-              <a:t>/</a:t>
-            </a:r>
-            <a:r>
-              <a:rPr lang="ja-JP" altLang="en-US" sz="2400"/>
-              <a:t>リポジトリ名</a:t>
-            </a:r>
-            <a:r>
-              <a:rPr lang="en-US" altLang="ja-JP" sz="2400" dirty="0"/>
-              <a:t>/c</a:t>
-            </a:r>
-            <a:r>
-              <a:rPr kumimoji="1" lang="en-US" altLang="ja-JP" sz="2400" dirty="0"/>
-              <a:t>ompare/</a:t>
-            </a:r>
-            <a:r>
-              <a:rPr lang="ja-JP" altLang="en-US" sz="2400"/>
-              <a:t>ブランチ名</a:t>
-            </a:r>
-            <a:r>
-              <a:rPr lang="en-US" altLang="ja-JP" sz="2400" dirty="0"/>
-              <a:t>(</a:t>
-            </a:r>
-            <a:r>
-              <a:rPr lang="ja-JP" altLang="en-US" sz="2400"/>
-              <a:t>コミットの番号</a:t>
-            </a:r>
-            <a:r>
-              <a:rPr lang="en-US" altLang="ja-JP" sz="2400" dirty="0"/>
-              <a:t>)..</a:t>
-            </a:r>
-            <a:r>
-              <a:rPr lang="ja-JP" altLang="en-US" sz="2400"/>
-              <a:t>ブランチ名</a:t>
-            </a:r>
-            <a:r>
-              <a:rPr lang="en-US" altLang="ja-JP" sz="2400" dirty="0"/>
-              <a:t>(</a:t>
-            </a:r>
-            <a:r>
-              <a:rPr lang="ja-JP" altLang="en-US" sz="2400"/>
-              <a:t>コミットの番号</a:t>
-            </a:r>
-            <a:r>
-              <a:rPr lang="en-US" altLang="ja-JP" sz="2400" dirty="0"/>
-              <a:t>)</a:t>
-            </a:r>
-            <a:endParaRPr kumimoji="1" lang="en-US" altLang="ja-JP" sz="2400" dirty="0"/>
+              <a:rPr lang="ja-JP" altLang="en-US"/>
+              <a:t>新しいブランチを生成しても移動はできていないのでこのコマンドでそのブランチに切り替え</a:t>
+            </a:r>
           </a:p>
         </p:txBody>
       </p:sp>
     </p:spTree>
     <p:extLst>
       <p:ext uri="{BB962C8B-B14F-4D97-AF65-F5344CB8AC3E}">
-        <p14:creationId xmlns:p14="http://schemas.microsoft.com/office/powerpoint/2010/main" val="2048940549"/>
+        <p14:creationId xmlns:p14="http://schemas.microsoft.com/office/powerpoint/2010/main" val="3826747762"/>
       </p:ext>
     </p:extLst>
   </p:cSld>
@@ -11697,7 +12173,7 @@
           <p:cNvPr id="2" name="タイトル 1">
             <a:extLst>
               <a:ext uri="{FF2B5EF4-FFF2-40B4-BE49-F238E27FC236}">
-                <a16:creationId xmlns:a16="http://schemas.microsoft.com/office/drawing/2014/main" id="{079AC9B5-23F7-2846-B26C-2FAE6AC2EE58}"/>
+                <a16:creationId xmlns:a16="http://schemas.microsoft.com/office/drawing/2014/main" id="{487436CB-C690-9343-BBC7-49AE71780E40}"/>
               </a:ext>
             </a:extLst>
           </p:cNvPr>
@@ -11721,12 +12197,12 @@
           <a:lstStyle/>
           <a:p>
             <a:r>
-              <a:rPr kumimoji="1" lang="en-US" altLang="ja-JP" sz="4000" dirty="0">
+              <a:rPr lang="en-US" altLang="ja-JP" sz="4000">
                 <a:solidFill>
                   <a:srgbClr val="FFFFFF"/>
                 </a:solidFill>
               </a:rPr>
-              <a:t>$ git status</a:t>
+              <a:t>$ git diff</a:t>
             </a:r>
             <a:endParaRPr kumimoji="1" lang="ja-JP" altLang="en-US" sz="4000">
               <a:solidFill>
@@ -11741,7 +12217,7 @@
           <p:cNvPr id="3" name="コンテンツ プレースホルダー 2">
             <a:extLst>
               <a:ext uri="{FF2B5EF4-FFF2-40B4-BE49-F238E27FC236}">
-                <a16:creationId xmlns:a16="http://schemas.microsoft.com/office/drawing/2014/main" id="{5BD8C0E7-7470-B04C-A9F9-E83C6C7F77EF}"/>
+                <a16:creationId xmlns:a16="http://schemas.microsoft.com/office/drawing/2014/main" id="{1A7D2660-6AA8-594A-8632-7D407033F89E}"/>
               </a:ext>
             </a:extLst>
           </p:cNvPr>
@@ -11765,16 +12241,130 @@
           <a:lstStyle/>
           <a:p>
             <a:r>
-              <a:rPr kumimoji="1" lang="ja-JP" altLang="en-US"/>
-              <a:t>一つ前のコミットから変更ファイルを一覧表示</a:t>
-            </a:r>
+              <a:rPr kumimoji="1" lang="ja-JP" altLang="en-US" sz="2400"/>
+              <a:t>一つ前のコミットからの変更ファイル、変更箇所を表示</a:t>
+            </a:r>
+            <a:endParaRPr kumimoji="1" lang="en-US" altLang="ja-JP" sz="2400" dirty="0"/>
+          </a:p>
+          <a:p>
+            <a:r>
+              <a:rPr lang="en-US" altLang="ja-JP" sz="2400" dirty="0"/>
+              <a:t>$ git diff </a:t>
+            </a:r>
+            <a:r>
+              <a:rPr lang="ja-JP" altLang="en-US" sz="2400"/>
+              <a:t>ブランチ名</a:t>
+            </a:r>
+            <a:r>
+              <a:rPr lang="en-US" altLang="ja-JP" sz="2400" dirty="0"/>
+              <a:t>(</a:t>
+            </a:r>
+            <a:r>
+              <a:rPr lang="ja-JP" altLang="en-US" sz="2400"/>
+              <a:t>コミットの番号</a:t>
+            </a:r>
+            <a:r>
+              <a:rPr lang="en-US" altLang="ja-JP" sz="2400" dirty="0"/>
+              <a:t>)..</a:t>
+            </a:r>
+            <a:r>
+              <a:rPr lang="ja-JP" altLang="en-US" sz="2400"/>
+              <a:t>ブランチ名</a:t>
+            </a:r>
+            <a:r>
+              <a:rPr lang="en-US" altLang="ja-JP" sz="2400" dirty="0"/>
+              <a:t>(</a:t>
+            </a:r>
+            <a:r>
+              <a:rPr lang="ja-JP" altLang="en-US" sz="2400"/>
+              <a:t>コミットの番号</a:t>
+            </a:r>
+            <a:r>
+              <a:rPr lang="en-US" altLang="ja-JP" sz="2400" dirty="0"/>
+              <a:t>)</a:t>
+            </a:r>
+          </a:p>
+          <a:p>
+            <a:r>
+              <a:rPr lang="en-US" altLang="ja-JP" sz="2400" dirty="0"/>
+              <a:t>GitHub</a:t>
+            </a:r>
+            <a:r>
+              <a:rPr lang="ja-JP" altLang="en-US" sz="2400"/>
+              <a:t>上で比較をする時は</a:t>
+            </a:r>
+            <a:r>
+              <a:rPr lang="en-US" altLang="ja-JP" sz="2400" dirty="0"/>
+              <a:t>https://</a:t>
+            </a:r>
+            <a:r>
+              <a:rPr lang="en-US" altLang="ja-JP" sz="2400" dirty="0" err="1"/>
+              <a:t>github.com</a:t>
+            </a:r>
+            <a:r>
+              <a:rPr lang="en-US" altLang="ja-JP" sz="2400" dirty="0"/>
+              <a:t>/</a:t>
+            </a:r>
+            <a:r>
+              <a:rPr lang="en-US" altLang="ja-JP" sz="2400" dirty="0" err="1"/>
+              <a:t>user_id</a:t>
+            </a:r>
+            <a:r>
+              <a:rPr lang="en-US" altLang="ja-JP" sz="2400" dirty="0"/>
+              <a:t>/</a:t>
+            </a:r>
+            <a:r>
+              <a:rPr lang="ja-JP" altLang="en-US" sz="2400"/>
+              <a:t>リポジトリ名</a:t>
+            </a:r>
+            <a:r>
+              <a:rPr lang="en-US" altLang="ja-JP" sz="2400" dirty="0"/>
+              <a:t>/c</a:t>
+            </a:r>
+            <a:r>
+              <a:rPr kumimoji="1" lang="en-US" altLang="ja-JP" sz="2400" dirty="0"/>
+              <a:t>ompare/</a:t>
+            </a:r>
+            <a:r>
+              <a:rPr lang="ja-JP" altLang="en-US" sz="2400"/>
+              <a:t>ブランチ名</a:t>
+            </a:r>
+            <a:r>
+              <a:rPr lang="en-US" altLang="ja-JP" sz="2400" dirty="0"/>
+              <a:t>(</a:t>
+            </a:r>
+            <a:r>
+              <a:rPr lang="ja-JP" altLang="en-US" sz="2400"/>
+              <a:t>コミットの番号</a:t>
+            </a:r>
+            <a:r>
+              <a:rPr lang="en-US" altLang="ja-JP" sz="2400" dirty="0"/>
+              <a:t>)..</a:t>
+            </a:r>
+            <a:r>
+              <a:rPr lang="ja-JP" altLang="en-US" sz="2400"/>
+              <a:t>ブランチ名</a:t>
+            </a:r>
+            <a:r>
+              <a:rPr lang="en-US" altLang="ja-JP" sz="2400" dirty="0"/>
+              <a:t>(</a:t>
+            </a:r>
+            <a:r>
+              <a:rPr lang="ja-JP" altLang="en-US" sz="2400"/>
+              <a:t>コミットの番号</a:t>
+            </a:r>
+            <a:r>
+              <a:rPr lang="en-US" altLang="ja-JP" sz="2400" dirty="0"/>
+              <a:t>)</a:t>
+            </a:r>
+            <a:endParaRPr kumimoji="1" lang="en-US" altLang="ja-JP" sz="2400" dirty="0"/>
           </a:p>
         </p:txBody>
       </p:sp>
     </p:spTree>
     <p:extLst>
       <p:ext uri="{BB962C8B-B14F-4D97-AF65-F5344CB8AC3E}">
-        <p14:creationId xmlns:p14="http://schemas.microsoft.com/office/powerpoint/2010/main" val="3470930710"/>
+        <p14:creationId xmlns:p14="http://schemas.microsoft.com/office/powerpoint/2010/main" val="2048940549"/>
       </p:ext>
     </p:extLst>
   </p:cSld>
@@ -12190,7 +12780,7 @@
           <p:cNvPr id="2" name="タイトル 1">
             <a:extLst>
               <a:ext uri="{FF2B5EF4-FFF2-40B4-BE49-F238E27FC236}">
-                <a16:creationId xmlns:a16="http://schemas.microsoft.com/office/drawing/2014/main" id="{2FA83F93-DAA2-7941-8C9D-C832FDA96097}"/>
+                <a16:creationId xmlns:a16="http://schemas.microsoft.com/office/drawing/2014/main" id="{079AC9B5-23F7-2846-B26C-2FAE6AC2EE58}"/>
               </a:ext>
             </a:extLst>
           </p:cNvPr>
@@ -12214,12 +12804,12 @@
           <a:lstStyle/>
           <a:p>
             <a:r>
-              <a:rPr kumimoji="1" lang="en-US" altLang="ja-JP" sz="4000">
+              <a:rPr kumimoji="1" lang="en-US" altLang="ja-JP" sz="4000" dirty="0">
                 <a:solidFill>
                   <a:srgbClr val="FFFFFF"/>
                 </a:solidFill>
               </a:rPr>
-              <a:t>$ git add .</a:t>
+              <a:t>$ git status</a:t>
             </a:r>
             <a:endParaRPr kumimoji="1" lang="ja-JP" altLang="en-US" sz="4000">
               <a:solidFill>
@@ -12234,7 +12824,7 @@
           <p:cNvPr id="3" name="コンテンツ プレースホルダー 2">
             <a:extLst>
               <a:ext uri="{FF2B5EF4-FFF2-40B4-BE49-F238E27FC236}">
-                <a16:creationId xmlns:a16="http://schemas.microsoft.com/office/drawing/2014/main" id="{7EB068A3-040A-B64C-84B8-84DFB296A2F1}"/>
+                <a16:creationId xmlns:a16="http://schemas.microsoft.com/office/drawing/2014/main" id="{5BD8C0E7-7470-B04C-A9F9-E83C6C7F77EF}"/>
               </a:ext>
             </a:extLst>
           </p:cNvPr>
@@ -12258,40 +12848,8 @@
           <a:lstStyle/>
           <a:p>
             <a:r>
-              <a:rPr kumimoji="1" lang="ja-JP" altLang="en-US" sz="2400"/>
-              <a:t>普段は</a:t>
-            </a:r>
-            <a:r>
-              <a:rPr kumimoji="1" lang="en-US" altLang="ja-JP" sz="2400" dirty="0"/>
-              <a:t>$ git status </a:t>
-            </a:r>
-            <a:r>
-              <a:rPr kumimoji="1" lang="ja-JP" altLang="en-US" sz="2400"/>
-              <a:t>で更新したファイルをざっとみて問題なさそうなら</a:t>
-            </a:r>
-            <a:r>
-              <a:rPr kumimoji="1" lang="en-US" altLang="ja-JP" sz="2400" dirty="0"/>
-              <a:t>$ git add . </a:t>
-            </a:r>
-            <a:r>
-              <a:rPr kumimoji="1" lang="ja-JP" altLang="en-US" sz="2400"/>
-              <a:t>して、問題がありそうなら</a:t>
-            </a:r>
-            <a:r>
-              <a:rPr kumimoji="1" lang="en-US" altLang="ja-JP" sz="2400" dirty="0"/>
-              <a:t>$ git add xxx </a:t>
-            </a:r>
-            <a:r>
-              <a:rPr kumimoji="1" lang="ja-JP" altLang="en-US" sz="2400"/>
-              <a:t>ファイルを一つずつ</a:t>
-            </a:r>
-            <a:r>
-              <a:rPr kumimoji="1" lang="en-US" altLang="ja-JP" sz="2400" dirty="0"/>
-              <a:t>add</a:t>
-            </a:r>
-            <a:r>
-              <a:rPr kumimoji="1" lang="ja-JP" altLang="en-US" sz="2400"/>
-              <a:t>している</a:t>
+              <a:rPr kumimoji="1" lang="ja-JP" altLang="en-US"/>
+              <a:t>一つ前のコミットから変更ファイルを一覧表示</a:t>
             </a:r>
           </a:p>
         </p:txBody>
@@ -12299,7 +12857,7 @@
     </p:spTree>
     <p:extLst>
       <p:ext uri="{BB962C8B-B14F-4D97-AF65-F5344CB8AC3E}">
-        <p14:creationId xmlns:p14="http://schemas.microsoft.com/office/powerpoint/2010/main" val="295764858"/>
+        <p14:creationId xmlns:p14="http://schemas.microsoft.com/office/powerpoint/2010/main" val="3470930710"/>
       </p:ext>
     </p:extLst>
   </p:cSld>
@@ -12715,7 +13273,7 @@
           <p:cNvPr id="2" name="タイトル 1">
             <a:extLst>
               <a:ext uri="{FF2B5EF4-FFF2-40B4-BE49-F238E27FC236}">
-                <a16:creationId xmlns:a16="http://schemas.microsoft.com/office/drawing/2014/main" id="{47F23192-7F25-B249-8EFE-9FA952EDCBD0}"/>
+                <a16:creationId xmlns:a16="http://schemas.microsoft.com/office/drawing/2014/main" id="{2FA83F93-DAA2-7941-8C9D-C832FDA96097}"/>
               </a:ext>
             </a:extLst>
           </p:cNvPr>
@@ -12739,12 +13297,12 @@
           <a:lstStyle/>
           <a:p>
             <a:r>
-              <a:rPr lang="en-US" altLang="ja-JP" sz="4000">
+              <a:rPr kumimoji="1" lang="en-US" altLang="ja-JP" sz="4000">
                 <a:solidFill>
                   <a:srgbClr val="FFFFFF"/>
                 </a:solidFill>
               </a:rPr>
-              <a:t>$ git commit –m “xxx”</a:t>
+              <a:t>$ git add .</a:t>
             </a:r>
             <a:endParaRPr kumimoji="1" lang="ja-JP" altLang="en-US" sz="4000">
               <a:solidFill>
@@ -12759,7 +13317,7 @@
           <p:cNvPr id="3" name="コンテンツ プレースホルダー 2">
             <a:extLst>
               <a:ext uri="{FF2B5EF4-FFF2-40B4-BE49-F238E27FC236}">
-                <a16:creationId xmlns:a16="http://schemas.microsoft.com/office/drawing/2014/main" id="{6984714B-0B85-844E-B670-38F6FF375DD7}"/>
+                <a16:creationId xmlns:a16="http://schemas.microsoft.com/office/drawing/2014/main" id="{7EB068A3-040A-B64C-84B8-84DFB296A2F1}"/>
               </a:ext>
             </a:extLst>
           </p:cNvPr>
@@ -12783,64 +13341,48 @@
           <a:lstStyle/>
           <a:p>
             <a:r>
-              <a:rPr lang="en-US" altLang="ja-JP" sz="2400" dirty="0"/>
-              <a:t>add, fix, remove</a:t>
-            </a:r>
-            <a:r>
-              <a:rPr lang="ja-JP" altLang="en-US" sz="2400"/>
-              <a:t>などを先頭につけて詳細を後半に書く</a:t>
-            </a:r>
-            <a:endParaRPr lang="en-US" altLang="ja-JP" sz="2400" dirty="0"/>
-          </a:p>
-          <a:p>
-            <a:r>
-              <a:rPr lang="en-US" altLang="ja-JP" sz="2400" dirty="0"/>
-              <a:t>(</a:t>
-            </a:r>
-            <a:r>
-              <a:rPr lang="ja-JP" altLang="en-US" sz="2400"/>
-              <a:t>けど、正直めんどくさいからこんなこと書かずに全部</a:t>
-            </a:r>
-            <a:r>
-              <a:rPr lang="en-US" altLang="ja-JP" sz="2400" dirty="0" err="1"/>
-              <a:t>tmp</a:t>
-            </a:r>
-            <a:r>
-              <a:rPr lang="ja-JP" altLang="en-US" sz="2400"/>
-              <a:t>にしちゃってる</a:t>
-            </a:r>
-            <a:r>
-              <a:rPr lang="en-US" altLang="ja-JP" sz="2400" dirty="0"/>
-              <a:t>)</a:t>
-            </a:r>
-          </a:p>
-          <a:p>
-            <a:endParaRPr kumimoji="1" lang="en-US" altLang="ja-JP" sz="2000" dirty="0"/>
-          </a:p>
-          <a:p>
-            <a:pPr marL="0" indent="0">
-              <a:buNone/>
-            </a:pPr>
-            <a:r>
-              <a:rPr lang="en-US" altLang="ja-JP" sz="2000" dirty="0">
-                <a:hlinkClick r:id="rId2"/>
-              </a:rPr>
-              <a:t>https://qiita.com/itosho/items/9565c6ad2ffc24c09364</a:t>
-            </a:r>
-            <a:endParaRPr lang="en-US" altLang="ja-JP" sz="2000" dirty="0"/>
-          </a:p>
-          <a:p>
-            <a:pPr marL="0" indent="0">
-              <a:buNone/>
-            </a:pPr>
-            <a:endParaRPr kumimoji="1" lang="en-US" altLang="ja-JP" sz="2000" dirty="0"/>
+              <a:rPr kumimoji="1" lang="ja-JP" altLang="en-US" sz="2400"/>
+              <a:t>普段は</a:t>
+            </a:r>
+            <a:r>
+              <a:rPr kumimoji="1" lang="en-US" altLang="ja-JP" sz="2400" dirty="0"/>
+              <a:t>$ git status </a:t>
+            </a:r>
+            <a:r>
+              <a:rPr kumimoji="1" lang="ja-JP" altLang="en-US" sz="2400"/>
+              <a:t>で更新したファイルをざっとみて問題なさそうなら</a:t>
+            </a:r>
+            <a:r>
+              <a:rPr kumimoji="1" lang="en-US" altLang="ja-JP" sz="2400" dirty="0"/>
+              <a:t>$ git add . </a:t>
+            </a:r>
+            <a:r>
+              <a:rPr kumimoji="1" lang="ja-JP" altLang="en-US" sz="2400"/>
+              <a:t>して、問題がありそうなら</a:t>
+            </a:r>
+            <a:r>
+              <a:rPr kumimoji="1" lang="en-US" altLang="ja-JP" sz="2400" dirty="0"/>
+              <a:t>$ git add xxx </a:t>
+            </a:r>
+            <a:r>
+              <a:rPr kumimoji="1" lang="ja-JP" altLang="en-US" sz="2400"/>
+              <a:t>ファイルを一つずつ</a:t>
+            </a:r>
+            <a:r>
+              <a:rPr kumimoji="1" lang="en-US" altLang="ja-JP" sz="2400" dirty="0"/>
+              <a:t>add</a:t>
+            </a:r>
+            <a:r>
+              <a:rPr kumimoji="1" lang="ja-JP" altLang="en-US" sz="2400"/>
+              <a:t>している</a:t>
+            </a:r>
           </a:p>
         </p:txBody>
       </p:sp>
     </p:spTree>
     <p:extLst>
       <p:ext uri="{BB962C8B-B14F-4D97-AF65-F5344CB8AC3E}">
-        <p14:creationId xmlns:p14="http://schemas.microsoft.com/office/powerpoint/2010/main" val="1279307690"/>
+        <p14:creationId xmlns:p14="http://schemas.microsoft.com/office/powerpoint/2010/main" val="295764858"/>
       </p:ext>
     </p:extLst>
   </p:cSld>
